--- a/Docs/Evaluación Sumativa - Daniel Soto.pptx
+++ b/Docs/Evaluación Sumativa - Daniel Soto.pptx
@@ -5,33 +5,34 @@
     <p:sldMasterId id="2147483648" r:id="rId1"/>
   </p:sldMasterIdLst>
   <p:notesMasterIdLst>
-    <p:notesMasterId r:id="rId7"/>
+    <p:notesMasterId r:id="rId8"/>
   </p:notesMasterIdLst>
   <p:sldIdLst>
     <p:sldId id="256" r:id="rId2"/>
     <p:sldId id="257" r:id="rId3"/>
     <p:sldId id="258" r:id="rId4"/>
-    <p:sldId id="259" r:id="rId5"/>
-    <p:sldId id="260" r:id="rId6"/>
+    <p:sldId id="261" r:id="rId5"/>
+    <p:sldId id="259" r:id="rId6"/>
+    <p:sldId id="260" r:id="rId7"/>
   </p:sldIdLst>
   <p:sldSz cx="12192000" cy="6858000"/>
   <p:notesSz cx="6858000" cy="9144000"/>
   <p:embeddedFontLst>
     <p:embeddedFont>
       <p:font typeface="Arial Black" panose="020B0A04020102020204" pitchFamily="34" charset="0"/>
-      <p:bold r:id="rId8"/>
+      <p:bold r:id="rId9"/>
     </p:embeddedFont>
     <p:embeddedFont>
       <p:font typeface="Calibri" panose="020F0502020204030204" pitchFamily="34" charset="0"/>
-      <p:regular r:id="rId9"/>
-      <p:bold r:id="rId10"/>
-      <p:italic r:id="rId11"/>
-      <p:boldItalic r:id="rId12"/>
+      <p:regular r:id="rId10"/>
+      <p:bold r:id="rId11"/>
+      <p:italic r:id="rId12"/>
+      <p:boldItalic r:id="rId13"/>
     </p:embeddedFont>
     <p:embeddedFont>
       <p:font typeface="Gill Sans" panose="020B0604020202020204" charset="0"/>
-      <p:regular r:id="rId13"/>
-      <p:bold r:id="rId14"/>
+      <p:regular r:id="rId14"/>
+      <p:bold r:id="rId15"/>
     </p:embeddedFont>
   </p:embeddedFontLst>
   <p:defaultTextStyle>
@@ -268,7 +269,7 @@
       <p15:sldGuideLst xmlns:p15="http://schemas.microsoft.com/office/powerpoint/2012/main"/>
     </p:ext>
     <p:ext uri="http://customooxmlschemas.google.com/">
-      <go:slidesCustomData xmlns="" xmlns:mc="http://schemas.openxmlformats.org/markup-compatibility/2006" xmlns:mv="urn:schemas-microsoft-com:mac:vml" xmlns:c="http://schemas.openxmlformats.org/drawingml/2006/chart" xmlns:dgm="http://schemas.openxmlformats.org/drawingml/2006/diagram" xmlns:o="urn:schemas-microsoft-com:office:office" xmlns:v="urn:schemas-microsoft-com:vml" xmlns:pvml="urn:schemas-microsoft-com:office:powerpoint" xmlns:com="http://schemas.openxmlformats.org/drawingml/2006/compatibility" xmlns:p14="http://schemas.microsoft.com/office/powerpoint/2010/main" xmlns:p15="http://schemas.microsoft.com/office/powerpoint/2012/main" xmlns:ahyp="http://schemas.microsoft.com/office/drawing/2018/hyperlinkcolor" xmlns:go="http://customooxmlschemas.google.com/" r:id="rId15" roundtripDataSignature="AMtx7mh6xPyTV2TYeE3nbH9Avu+SYtVukA=="/>
+      <go:slidesCustomData xmlns:go="http://customooxmlschemas.google.com/" xmlns:ahyp="http://schemas.microsoft.com/office/drawing/2018/hyperlinkcolor" xmlns:p15="http://schemas.microsoft.com/office/powerpoint/2012/main" xmlns:p14="http://schemas.microsoft.com/office/powerpoint/2010/main" xmlns:com="http://schemas.openxmlformats.org/drawingml/2006/compatibility" xmlns:pvml="urn:schemas-microsoft-com:office:powerpoint" xmlns:v="urn:schemas-microsoft-com:vml" xmlns:o="urn:schemas-microsoft-com:office:office" xmlns:dgm="http://schemas.openxmlformats.org/drawingml/2006/diagram" xmlns:c="http://schemas.openxmlformats.org/drawingml/2006/chart" xmlns:mv="urn:schemas-microsoft-com:mac:vml" xmlns:mc="http://schemas.openxmlformats.org/markup-compatibility/2006" xmlns="" r:id="rId16" roundtripDataSignature="AMtx7mh6xPyTV2TYeE3nbH9Avu+SYtVukA=="/>
     </p:ext>
   </p:extLst>
 </p:presentation>
@@ -1964,6 +1965,175 @@
   <p:cSld>
     <p:spTree>
       <p:nvGrpSpPr>
+        <p:cNvPr id="1" name="Shape 176"/>
+        <p:cNvGrpSpPr/>
+        <p:nvPr/>
+      </p:nvGrpSpPr>
+      <p:grpSpPr>
+        <a:xfrm>
+          <a:off x="0" y="0"/>
+          <a:ext cx="0" cy="0"/>
+          <a:chOff x="0" y="0"/>
+          <a:chExt cx="0" cy="0"/>
+        </a:xfrm>
+      </p:grpSpPr>
+      <p:sp>
+        <p:nvSpPr>
+          <p:cNvPr id="177" name="Google Shape;177;p2:notes"/>
+          <p:cNvSpPr>
+            <a:spLocks noGrp="1" noRot="1" noChangeAspect="1"/>
+          </p:cNvSpPr>
+          <p:nvPr>
+            <p:ph type="sldImg" idx="2"/>
+          </p:nvPr>
+        </p:nvSpPr>
+        <p:spPr>
+          <a:xfrm>
+            <a:off x="685800" y="1143000"/>
+            <a:ext cx="5486400" cy="3086100"/>
+          </a:xfrm>
+          <a:custGeom>
+            <a:avLst/>
+            <a:gdLst/>
+            <a:ahLst/>
+            <a:cxnLst/>
+            <a:rect l="l" t="t" r="r" b="b"/>
+            <a:pathLst>
+              <a:path w="120000" h="120000" extrusionOk="0">
+                <a:moveTo>
+                  <a:pt x="0" y="0"/>
+                </a:moveTo>
+                <a:lnTo>
+                  <a:pt x="120000" y="0"/>
+                </a:lnTo>
+                <a:lnTo>
+                  <a:pt x="120000" y="120000"/>
+                </a:lnTo>
+                <a:lnTo>
+                  <a:pt x="0" y="120000"/>
+                </a:lnTo>
+                <a:close/>
+              </a:path>
+            </a:pathLst>
+          </a:custGeom>
+          <a:noFill/>
+          <a:ln w="12700" cap="flat" cmpd="sng">
+            <a:solidFill>
+              <a:srgbClr val="000000"/>
+            </a:solidFill>
+            <a:prstDash val="solid"/>
+            <a:round/>
+            <a:headEnd type="none" w="sm" len="sm"/>
+            <a:tailEnd type="none" w="sm" len="sm"/>
+          </a:ln>
+        </p:spPr>
+      </p:sp>
+      <p:sp>
+        <p:nvSpPr>
+          <p:cNvPr id="178" name="Google Shape;178;p2:notes"/>
+          <p:cNvSpPr txBox="1">
+            <a:spLocks noGrp="1"/>
+          </p:cNvSpPr>
+          <p:nvPr>
+            <p:ph type="body" idx="1"/>
+          </p:nvPr>
+        </p:nvSpPr>
+        <p:spPr>
+          <a:xfrm>
+            <a:off x="685800" y="4400550"/>
+            <a:ext cx="5486400" cy="3600450"/>
+          </a:xfrm>
+          <a:prstGeom prst="rect">
+            <a:avLst/>
+          </a:prstGeom>
+          <a:noFill/>
+          <a:ln>
+            <a:noFill/>
+          </a:ln>
+        </p:spPr>
+        <p:txBody>
+          <a:bodyPr spcFirstLastPara="1" wrap="square" lIns="91425" tIns="45700" rIns="91425" bIns="45700" anchor="t" anchorCtr="0">
+            <a:noAutofit/>
+          </a:bodyPr>
+          <a:lstStyle/>
+          <a:p>
+            <a:pPr marL="0" lvl="0" indent="0" algn="l" rtl="0">
+              <a:spcBef>
+                <a:spcPts val="0"/>
+              </a:spcBef>
+              <a:spcAft>
+                <a:spcPts val="0"/>
+              </a:spcAft>
+              <a:buNone/>
+            </a:pPr>
+            <a:endParaRPr/>
+          </a:p>
+        </p:txBody>
+      </p:sp>
+      <p:sp>
+        <p:nvSpPr>
+          <p:cNvPr id="179" name="Google Shape;179;p2:notes"/>
+          <p:cNvSpPr txBox="1">
+            <a:spLocks noGrp="1"/>
+          </p:cNvSpPr>
+          <p:nvPr>
+            <p:ph type="sldNum" idx="12"/>
+          </p:nvPr>
+        </p:nvSpPr>
+        <p:spPr>
+          <a:xfrm>
+            <a:off x="3884613" y="8685213"/>
+            <a:ext cx="2971800" cy="458787"/>
+          </a:xfrm>
+          <a:prstGeom prst="rect">
+            <a:avLst/>
+          </a:prstGeom>
+          <a:noFill/>
+          <a:ln>
+            <a:noFill/>
+          </a:ln>
+        </p:spPr>
+        <p:txBody>
+          <a:bodyPr spcFirstLastPara="1" wrap="square" lIns="91425" tIns="45700" rIns="91425" bIns="45700" anchor="b" anchorCtr="0">
+            <a:noAutofit/>
+          </a:bodyPr>
+          <a:lstStyle/>
+          <a:p>
+            <a:pPr marL="0" lvl="0" indent="0" algn="r" rtl="0">
+              <a:spcBef>
+                <a:spcPts val="0"/>
+              </a:spcBef>
+              <a:spcAft>
+                <a:spcPts val="0"/>
+              </a:spcAft>
+              <a:buNone/>
+            </a:pPr>
+            <a:fld id="{00000000-1234-1234-1234-123412341234}" type="slidenum">
+              <a:rPr lang="es-ES"/>
+              <a:t>4</a:t>
+            </a:fld>
+            <a:endParaRPr/>
+          </a:p>
+        </p:txBody>
+      </p:sp>
+    </p:spTree>
+    <p:extLst>
+      <p:ext uri="{BB962C8B-B14F-4D97-AF65-F5344CB8AC3E}">
+        <p14:creationId xmlns:p14="http://schemas.microsoft.com/office/powerpoint/2010/main" val="3472721829"/>
+      </p:ext>
+    </p:extLst>
+  </p:cSld>
+  <p:clrMapOvr>
+    <a:masterClrMapping/>
+  </p:clrMapOvr>
+</p:notes>
+</file>
+
+<file path=ppt/notesSlides/notesSlide5.xml><?xml version="1.0" encoding="utf-8"?>
+<p:notes xmlns:a="http://schemas.openxmlformats.org/drawingml/2006/main" xmlns:r="http://schemas.openxmlformats.org/officeDocument/2006/relationships" xmlns:p="http://schemas.openxmlformats.org/presentationml/2006/main" showMasterSp="0" showMasterPhAnim="0">
+  <p:cSld>
+    <p:spTree>
+      <p:nvGrpSpPr>
         <p:cNvPr id="1" name="Shape 245"/>
         <p:cNvGrpSpPr/>
         <p:nvPr/>
@@ -2109,7 +2279,7 @@
             </a:pPr>
             <a:fld id="{00000000-1234-1234-1234-123412341234}" type="slidenum">
               <a:rPr lang="es-ES"/>
-              <a:t>4</a:t>
+              <a:t>5</a:t>
             </a:fld>
             <a:endParaRPr/>
           </a:p>
@@ -20121,8 +20291,8 @@
         </p:nvSpPr>
         <p:spPr>
           <a:xfrm>
-            <a:off x="0" y="4991163"/>
-            <a:ext cx="12191993" cy="1295007"/>
+            <a:off x="-18030" y="4816370"/>
+            <a:ext cx="12191993" cy="1758958"/>
           </a:xfrm>
           <a:prstGeom prst="rect">
             <a:avLst/>
@@ -20155,7 +20325,27 @@
               </a:spcAft>
               <a:buNone/>
             </a:pPr>
-            <a:endParaRPr sz="1800" b="0" i="0" u="none" strike="noStrike" cap="none">
+            <a:endParaRPr lang="es-CL" sz="1800" b="0" i="0" u="none" strike="noStrike" cap="none" dirty="0">
+              <a:solidFill>
+                <a:schemeClr val="lt1"/>
+              </a:solidFill>
+              <a:latin typeface="Gill Sans"/>
+              <a:ea typeface="Gill Sans"/>
+              <a:cs typeface="Gill Sans"/>
+              <a:sym typeface="Gill Sans"/>
+            </a:endParaRPr>
+          </a:p>
+          <a:p>
+            <a:pPr marL="0" marR="0" lvl="0" indent="0" algn="ctr" rtl="0">
+              <a:spcBef>
+                <a:spcPts val="0"/>
+              </a:spcBef>
+              <a:spcAft>
+                <a:spcPts val="0"/>
+              </a:spcAft>
+              <a:buNone/>
+            </a:pPr>
+            <a:endParaRPr sz="1800" b="0" i="0" u="none" strike="noStrike" cap="none" dirty="0">
               <a:solidFill>
                 <a:schemeClr val="lt1"/>
               </a:solidFill>
@@ -20207,18 +20397,38 @@
               <a:buNone/>
             </a:pPr>
             <a:r>
-              <a:rPr lang="es-ES">
+              <a:rPr lang="es-ES" dirty="0">
                 <a:solidFill>
                   <a:schemeClr val="dk1"/>
                 </a:solidFill>
               </a:rPr>
               <a:t>METODOLOGÍA AGILE SCRUM</a:t>
             </a:r>
-            <a:endParaRPr/>
           </a:p>
           <a:p>
             <a:pPr marL="0" lvl="0" indent="0" algn="l" rtl="0">
               <a:spcBef>
+                <a:spcPts val="0"/>
+              </a:spcBef>
+              <a:spcAft>
+                <a:spcPts val="0"/>
+              </a:spcAft>
+              <a:buSzPts val="1472"/>
+              <a:buNone/>
+            </a:pPr>
+            <a:r>
+              <a:rPr lang="es-ES" dirty="0">
+                <a:solidFill>
+                  <a:schemeClr val="dk1"/>
+                </a:solidFill>
+              </a:rPr>
+              <a:t>GRUPO 4: Nicolás Araya – Sebastián Herrera – Alex Martínez – Juan Parada – Daniel Soto  </a:t>
+            </a:r>
+            <a:endParaRPr dirty="0"/>
+          </a:p>
+          <a:p>
+            <a:pPr marL="0" lvl="0" indent="0" algn="l" rtl="0">
+              <a:spcBef>
                 <a:spcPts val="920"/>
               </a:spcBef>
               <a:spcAft>
@@ -20227,7 +20437,7 @@
               <a:buSzPts val="1472"/>
               <a:buNone/>
             </a:pPr>
-            <a:endParaRPr/>
+            <a:endParaRPr dirty="0"/>
           </a:p>
         </p:txBody>
       </p:sp>
@@ -20275,10 +20485,10 @@
               <a:buNone/>
             </a:pPr>
             <a:r>
-              <a:rPr lang="es-ES"/>
-              <a:t>EVALUACIÓN SUMATIVA 1I</a:t>
+              <a:rPr lang="es-ES" dirty="0"/>
+              <a:t>EVALUACIÓN FORMATIVA 3.1</a:t>
             </a:r>
-            <a:endParaRPr/>
+            <a:endParaRPr dirty="0"/>
           </a:p>
         </p:txBody>
       </p:sp>
@@ -23782,10 +23992,10 @@
               <a:buChar char="◼"/>
             </a:pPr>
             <a:r>
-              <a:rPr lang="es-ES" sz="1200" b="1" dirty="0">
+              <a:rPr lang="es-CL" sz="1200" b="1" dirty="0">
                 <a:latin typeface="Arial Black" panose="020B0A04020102020204" pitchFamily="34" charset="0"/>
               </a:rPr>
-              <a:t>Diseño de Login y seguridad en la autenticación.</a:t>
+              <a:t>Visualizar la información de estudiantes, profesores y administrativos.</a:t>
             </a:r>
             <a:endParaRPr sz="1200" b="1" dirty="0">
               <a:latin typeface="Arial Black" panose="020B0A04020102020204" pitchFamily="34" charset="0"/>
@@ -23806,7 +24016,7 @@
               <a:rPr lang="es-ES" sz="1200" b="1" dirty="0">
                 <a:latin typeface="Arial Black" panose="020B0A04020102020204" pitchFamily="34" charset="0"/>
               </a:rPr>
-              <a:t>Desarrollo del módulo de reservas.</a:t>
+              <a:t>Insertar, actualizar y eliminar los datos.</a:t>
             </a:r>
           </a:p>
           <a:p>
@@ -23821,11 +24031,29 @@
               <a:buChar char="◼"/>
             </a:pPr>
             <a:r>
-              <a:rPr lang="es-ES" sz="1200" b="1" dirty="0">
+              <a:rPr lang="es-CL" sz="1200" b="1" dirty="0">
                 <a:latin typeface="Arial Black" panose="020B0A04020102020204" pitchFamily="34" charset="0"/>
               </a:rPr>
-              <a:t>Desarrollo del módulo de registro de clientes y sus vehículos.</a:t>
+              <a:t>Filtrar estudiantes con promedio aprobado y </a:t>
             </a:r>
+            <a:r>
+              <a:rPr lang="es-CL" sz="1200" b="1">
+                <a:latin typeface="Arial Black" panose="020B0A04020102020204" pitchFamily="34" charset="0"/>
+              </a:rPr>
+              <a:t>reprobado.</a:t>
+            </a:r>
+          </a:p>
+          <a:p>
+            <a:pPr marL="329588" lvl="1" indent="0" algn="l" rtl="0">
+              <a:spcBef>
+                <a:spcPts val="880"/>
+              </a:spcBef>
+              <a:spcAft>
+                <a:spcPts val="0"/>
+              </a:spcAft>
+              <a:buSzPts val="1200"/>
+              <a:buNone/>
+            </a:pPr>
             <a:endParaRPr sz="1200" b="1" dirty="0">
               <a:latin typeface="Arial Black" panose="020B0A04020102020204" pitchFamily="34" charset="0"/>
             </a:endParaRPr>
@@ -24124,7 +24352,7 @@
                 <a:latin typeface="Arial" panose="020B0604020202020204" pitchFamily="34" charset="0"/>
                 <a:cs typeface="Arial" panose="020B0604020202020204" pitchFamily="34" charset="0"/>
               </a:rPr>
-              <a:t>1. Login del Sistema. “Yo como usuario quiero poder acceder al sistema”.</a:t>
+              <a:t>1. Implementación del sistema. “Yo como usuario quiero poder acceder al sistema”.</a:t>
             </a:r>
             <a:endParaRPr sz="1600" dirty="0">
               <a:latin typeface="Arial" panose="020B0604020202020204" pitchFamily="34" charset="0"/>
@@ -24148,8 +24376,32 @@
                 <a:latin typeface="Arial" panose="020B0604020202020204" pitchFamily="34" charset="0"/>
                 <a:cs typeface="Arial" panose="020B0604020202020204" pitchFamily="34" charset="0"/>
               </a:rPr>
-              <a:t>Configuración base de datos. </a:t>
+              <a:t>Ver tabla de datos. </a:t>
             </a:r>
+          </a:p>
+          <a:p>
+            <a:pPr marL="342900" lvl="0" indent="-342900" algn="l" rtl="0">
+              <a:spcBef>
+                <a:spcPts val="1000"/>
+              </a:spcBef>
+              <a:spcAft>
+                <a:spcPts val="0"/>
+              </a:spcAft>
+              <a:buSzPct val="91999"/>
+              <a:buFont typeface="+mj-lt"/>
+              <a:buAutoNum type="alphaLcParenR"/>
+            </a:pPr>
+            <a:r>
+              <a:rPr lang="es-CL" sz="1600" dirty="0">
+                <a:latin typeface="Arial" panose="020B0604020202020204" pitchFamily="34" charset="0"/>
+                <a:cs typeface="Arial" panose="020B0604020202020204" pitchFamily="34" charset="0"/>
+              </a:rPr>
+              <a:t>Crear y actualizar campos</a:t>
+            </a:r>
+            <a:endParaRPr sz="1600" dirty="0">
+              <a:latin typeface="Arial" panose="020B0604020202020204" pitchFamily="34" charset="0"/>
+              <a:cs typeface="Arial" panose="020B0604020202020204" pitchFamily="34" charset="0"/>
+            </a:endParaRPr>
           </a:p>
           <a:p>
             <a:pPr marL="342900" lvl="0" indent="-342900" algn="l" rtl="0">
@@ -24168,31 +24420,7 @@
                 <a:latin typeface="Arial" panose="020B0604020202020204" pitchFamily="34" charset="0"/>
                 <a:cs typeface="Arial" panose="020B0604020202020204" pitchFamily="34" charset="0"/>
               </a:rPr>
-              <a:t>Desarrollo login</a:t>
-            </a:r>
-            <a:endParaRPr sz="1600" dirty="0">
-              <a:latin typeface="Arial" panose="020B0604020202020204" pitchFamily="34" charset="0"/>
-              <a:cs typeface="Arial" panose="020B0604020202020204" pitchFamily="34" charset="0"/>
-            </a:endParaRPr>
-          </a:p>
-          <a:p>
-            <a:pPr marL="342900" lvl="0" indent="-342900" algn="l" rtl="0">
-              <a:spcBef>
-                <a:spcPts val="1000"/>
-              </a:spcBef>
-              <a:spcAft>
-                <a:spcPts val="0"/>
-              </a:spcAft>
-              <a:buSzPct val="91999"/>
-              <a:buFont typeface="+mj-lt"/>
-              <a:buAutoNum type="alphaLcParenR"/>
-            </a:pPr>
-            <a:r>
-              <a:rPr lang="es-ES" sz="1600" dirty="0">
-                <a:latin typeface="Arial" panose="020B0604020202020204" pitchFamily="34" charset="0"/>
-                <a:cs typeface="Arial" panose="020B0604020202020204" pitchFamily="34" charset="0"/>
-              </a:rPr>
-              <a:t>Formulario de creación</a:t>
+              <a:t>Formulario de creación.</a:t>
             </a:r>
             <a:endParaRPr lang="es-CL" sz="1600" dirty="0">
               <a:latin typeface="Arial" panose="020B0604020202020204" pitchFamily="34" charset="0"/>
@@ -24251,7 +24479,7 @@
                 <a:latin typeface="Arial" panose="020B0604020202020204" pitchFamily="34" charset="0"/>
                 <a:cs typeface="Arial" panose="020B0604020202020204" pitchFamily="34" charset="0"/>
               </a:rPr>
-              <a:t>2. Sistema para usuarios. “Yo como usuario quiero poder registrar al cliente y su vehículo”. – Sprint 1 </a:t>
+              <a:t>2. Sistema para usuarios. “Yo como usuario quiero poder ver si los datos ingresados son correctos”. – Sprint 1 </a:t>
             </a:r>
             <a:endParaRPr sz="1600" dirty="0">
               <a:latin typeface="Arial" panose="020B0604020202020204" pitchFamily="34" charset="0"/>
@@ -24300,86 +24528,6 @@
                 <a:cs typeface="Arial" panose="020B0604020202020204" pitchFamily="34" charset="0"/>
               </a:rPr>
               <a:t>Visualización de Errores.</a:t>
-            </a:r>
-            <a:endParaRPr sz="1600" dirty="0">
-              <a:latin typeface="Arial" panose="020B0604020202020204" pitchFamily="34" charset="0"/>
-              <a:cs typeface="Arial" panose="020B0604020202020204" pitchFamily="34" charset="0"/>
-            </a:endParaRPr>
-          </a:p>
-          <a:p>
-            <a:pPr marL="0" lvl="0" indent="0" algn="l" rtl="0">
-              <a:spcBef>
-                <a:spcPts val="1000"/>
-              </a:spcBef>
-              <a:spcAft>
-                <a:spcPts val="0"/>
-              </a:spcAft>
-              <a:buSzPct val="91999"/>
-              <a:buNone/>
-            </a:pPr>
-            <a:endParaRPr sz="1600" dirty="0">
-              <a:latin typeface="Arial" panose="020B0604020202020204" pitchFamily="34" charset="0"/>
-              <a:cs typeface="Arial" panose="020B0604020202020204" pitchFamily="34" charset="0"/>
-            </a:endParaRPr>
-          </a:p>
-          <a:p>
-            <a:pPr marL="0" indent="0">
-              <a:spcBef>
-                <a:spcPts val="1000"/>
-              </a:spcBef>
-              <a:buSzPct val="91999"/>
-              <a:buNone/>
-            </a:pPr>
-            <a:r>
-              <a:rPr lang="es-ES" sz="1600" dirty="0">
-                <a:latin typeface="Arial" panose="020B0604020202020204" pitchFamily="34" charset="0"/>
-                <a:cs typeface="Arial" panose="020B0604020202020204" pitchFamily="34" charset="0"/>
-              </a:rPr>
-              <a:t>3. Sistema para seleccionar tipo de servicio y precio. “Yo como usuario quiero seleccionar el servicio y la fecha a utilizar con el costo asociado.”. – Sprint 1 </a:t>
-            </a:r>
-          </a:p>
-          <a:p>
-            <a:pPr marL="342900" lvl="0" indent="-342900" algn="l" rtl="0">
-              <a:spcBef>
-                <a:spcPts val="1000"/>
-              </a:spcBef>
-              <a:spcAft>
-                <a:spcPts val="0"/>
-              </a:spcAft>
-              <a:buSzPct val="91999"/>
-              <a:buFont typeface="+mj-lt"/>
-              <a:buAutoNum type="alphaLcParenR"/>
-            </a:pPr>
-            <a:r>
-              <a:rPr lang="es-ES" sz="1600" dirty="0">
-                <a:latin typeface="Arial" panose="020B0604020202020204" pitchFamily="34" charset="0"/>
-                <a:cs typeface="Arial" panose="020B0604020202020204" pitchFamily="34" charset="0"/>
-              </a:rPr>
-              <a:t>Mensaje con el total del pago.</a:t>
-            </a:r>
-            <a:endParaRPr sz="1600" dirty="0">
-              <a:latin typeface="Arial" panose="020B0604020202020204" pitchFamily="34" charset="0"/>
-              <a:cs typeface="Arial" panose="020B0604020202020204" pitchFamily="34" charset="0"/>
-            </a:endParaRPr>
-          </a:p>
-          <a:p>
-            <a:pPr marL="342900" lvl="0" indent="-342900" algn="l" rtl="0">
-              <a:spcBef>
-                <a:spcPts val="1000"/>
-              </a:spcBef>
-              <a:spcAft>
-                <a:spcPts val="0"/>
-              </a:spcAft>
-              <a:buSzPct val="91999"/>
-              <a:buFont typeface="+mj-lt"/>
-              <a:buAutoNum type="alphaLcParenR"/>
-            </a:pPr>
-            <a:r>
-              <a:rPr lang="es-ES" sz="1600" dirty="0">
-                <a:latin typeface="Arial" panose="020B0604020202020204" pitchFamily="34" charset="0"/>
-                <a:cs typeface="Arial" panose="020B0604020202020204" pitchFamily="34" charset="0"/>
-              </a:rPr>
-              <a:t>Interfaz de reserva.</a:t>
             </a:r>
             <a:endParaRPr sz="1600" dirty="0">
               <a:latin typeface="Arial" panose="020B0604020202020204" pitchFamily="34" charset="0"/>
@@ -26553,6 +26701,4259 @@
 </file>
 
 <file path=ppt/slides/slide4.xml><?xml version="1.0" encoding="utf-8"?>
+<p:sld xmlns:a="http://schemas.openxmlformats.org/drawingml/2006/main" xmlns:r="http://schemas.openxmlformats.org/officeDocument/2006/relationships" xmlns:p="http://schemas.openxmlformats.org/presentationml/2006/main">
+  <p:cSld>
+    <p:spTree>
+      <p:nvGrpSpPr>
+        <p:cNvPr id="1" name="Shape 180"/>
+        <p:cNvGrpSpPr/>
+        <p:nvPr/>
+      </p:nvGrpSpPr>
+      <p:grpSpPr>
+        <a:xfrm>
+          <a:off x="0" y="0"/>
+          <a:ext cx="0" cy="0"/>
+          <a:chOff x="0" y="0"/>
+          <a:chExt cx="0" cy="0"/>
+        </a:xfrm>
+      </p:grpSpPr>
+      <p:sp>
+        <p:nvSpPr>
+          <p:cNvPr id="181" name="Google Shape;181;p2"/>
+          <p:cNvSpPr txBox="1">
+            <a:spLocks noGrp="1"/>
+          </p:cNvSpPr>
+          <p:nvPr>
+            <p:ph type="title"/>
+          </p:nvPr>
+        </p:nvSpPr>
+        <p:spPr>
+          <a:xfrm>
+            <a:off x="378200" y="551025"/>
+            <a:ext cx="1942500" cy="5768700"/>
+          </a:xfrm>
+          <a:prstGeom prst="rect">
+            <a:avLst/>
+          </a:prstGeom>
+          <a:noFill/>
+          <a:ln>
+            <a:noFill/>
+          </a:ln>
+        </p:spPr>
+        <p:txBody>
+          <a:bodyPr spcFirstLastPara="1" wrap="square" lIns="91425" tIns="45700" rIns="91425" bIns="45700" anchor="ctr" anchorCtr="0">
+            <a:normAutofit/>
+          </a:bodyPr>
+          <a:lstStyle/>
+          <a:p>
+            <a:pPr marL="0" lvl="0" indent="0" algn="l" rtl="0">
+              <a:spcBef>
+                <a:spcPts val="0"/>
+              </a:spcBef>
+              <a:spcAft>
+                <a:spcPts val="0"/>
+              </a:spcAft>
+              <a:buClr>
+                <a:schemeClr val="dk1"/>
+              </a:buClr>
+              <a:buSzPts val="1100"/>
+              <a:buFont typeface="Arial"/>
+              <a:buNone/>
+            </a:pPr>
+            <a:r>
+              <a:rPr lang="es-ES" dirty="0"/>
+              <a:t>Backlog</a:t>
+            </a:r>
+            <a:endParaRPr dirty="0"/>
+          </a:p>
+        </p:txBody>
+      </p:sp>
+      <p:grpSp>
+        <p:nvGrpSpPr>
+          <p:cNvPr id="182" name="Google Shape;182;p2" descr="icono de marca de verificación con lápiz"/>
+          <p:cNvGrpSpPr/>
+          <p:nvPr/>
+        </p:nvGrpSpPr>
+        <p:grpSpPr>
+          <a:xfrm>
+            <a:off x="2404112" y="4197672"/>
+            <a:ext cx="589100" cy="589100"/>
+            <a:chOff x="6539" y="440"/>
+            <a:chExt cx="426" cy="426"/>
+          </a:xfrm>
+        </p:grpSpPr>
+        <p:sp>
+          <p:nvSpPr>
+            <p:cNvPr id="183" name="Google Shape;183;p2"/>
+            <p:cNvSpPr/>
+            <p:nvPr/>
+          </p:nvSpPr>
+          <p:spPr>
+            <a:xfrm>
+              <a:off x="6752" y="653"/>
+              <a:ext cx="213" cy="213"/>
+            </a:xfrm>
+            <a:custGeom>
+              <a:avLst/>
+              <a:gdLst/>
+              <a:ahLst/>
+              <a:cxnLst/>
+              <a:rect l="l" t="t" r="r" b="b"/>
+              <a:pathLst>
+                <a:path w="144" h="144" extrusionOk="0">
+                  <a:moveTo>
+                    <a:pt x="6" y="144"/>
+                  </a:moveTo>
+                  <a:cubicBezTo>
+                    <a:pt x="5" y="144"/>
+                    <a:pt x="3" y="144"/>
+                    <a:pt x="2" y="143"/>
+                  </a:cubicBezTo>
+                  <a:cubicBezTo>
+                    <a:pt x="1" y="141"/>
+                    <a:pt x="0" y="139"/>
+                    <a:pt x="1" y="137"/>
+                  </a:cubicBezTo>
+                  <a:cubicBezTo>
+                    <a:pt x="13" y="95"/>
+                    <a:pt x="13" y="95"/>
+                    <a:pt x="13" y="95"/>
+                  </a:cubicBezTo>
+                  <a:cubicBezTo>
+                    <a:pt x="13" y="94"/>
+                    <a:pt x="13" y="93"/>
+                    <a:pt x="14" y="92"/>
+                  </a:cubicBezTo>
+                  <a:cubicBezTo>
+                    <a:pt x="104" y="2"/>
+                    <a:pt x="104" y="2"/>
+                    <a:pt x="104" y="2"/>
+                  </a:cubicBezTo>
+                  <a:cubicBezTo>
+                    <a:pt x="107" y="0"/>
+                    <a:pt x="110" y="0"/>
+                    <a:pt x="113" y="2"/>
+                  </a:cubicBezTo>
+                  <a:cubicBezTo>
+                    <a:pt x="143" y="32"/>
+                    <a:pt x="143" y="32"/>
+                    <a:pt x="143" y="32"/>
+                  </a:cubicBezTo>
+                  <a:cubicBezTo>
+                    <a:pt x="144" y="33"/>
+                    <a:pt x="144" y="35"/>
+                    <a:pt x="144" y="36"/>
+                  </a:cubicBezTo>
+                  <a:cubicBezTo>
+                    <a:pt x="144" y="38"/>
+                    <a:pt x="144" y="40"/>
+                    <a:pt x="143" y="41"/>
+                  </a:cubicBezTo>
+                  <a:cubicBezTo>
+                    <a:pt x="53" y="131"/>
+                    <a:pt x="53" y="131"/>
+                    <a:pt x="53" y="131"/>
+                  </a:cubicBezTo>
+                  <a:cubicBezTo>
+                    <a:pt x="52" y="131"/>
+                    <a:pt x="51" y="132"/>
+                    <a:pt x="50" y="132"/>
+                  </a:cubicBezTo>
+                  <a:cubicBezTo>
+                    <a:pt x="8" y="144"/>
+                    <a:pt x="8" y="144"/>
+                    <a:pt x="8" y="144"/>
+                  </a:cubicBezTo>
+                  <a:cubicBezTo>
+                    <a:pt x="8" y="144"/>
+                    <a:pt x="7" y="144"/>
+                    <a:pt x="6" y="144"/>
+                  </a:cubicBezTo>
+                  <a:close/>
+                  <a:moveTo>
+                    <a:pt x="24" y="100"/>
+                  </a:moveTo>
+                  <a:cubicBezTo>
+                    <a:pt x="15" y="130"/>
+                    <a:pt x="15" y="130"/>
+                    <a:pt x="15" y="130"/>
+                  </a:cubicBezTo>
+                  <a:cubicBezTo>
+                    <a:pt x="45" y="121"/>
+                    <a:pt x="45" y="121"/>
+                    <a:pt x="45" y="121"/>
+                  </a:cubicBezTo>
+                  <a:cubicBezTo>
+                    <a:pt x="130" y="36"/>
+                    <a:pt x="130" y="36"/>
+                    <a:pt x="130" y="36"/>
+                  </a:cubicBezTo>
+                  <a:cubicBezTo>
+                    <a:pt x="108" y="15"/>
+                    <a:pt x="108" y="15"/>
+                    <a:pt x="108" y="15"/>
+                  </a:cubicBezTo>
+                  <a:lnTo>
+                    <a:pt x="24" y="100"/>
+                  </a:lnTo>
+                  <a:close/>
+                  <a:moveTo>
+                    <a:pt x="48" y="126"/>
+                  </a:moveTo>
+                  <a:cubicBezTo>
+                    <a:pt x="48" y="126"/>
+                    <a:pt x="48" y="126"/>
+                    <a:pt x="48" y="126"/>
+                  </a:cubicBezTo>
+                  <a:close/>
+                </a:path>
+              </a:pathLst>
+            </a:custGeom>
+            <a:solidFill>
+              <a:schemeClr val="accent1"/>
+            </a:solidFill>
+            <a:ln>
+              <a:noFill/>
+            </a:ln>
+          </p:spPr>
+          <p:txBody>
+            <a:bodyPr spcFirstLastPara="1" wrap="square" lIns="91400" tIns="45700" rIns="91400" bIns="45700" anchor="t" anchorCtr="0">
+              <a:noAutofit/>
+            </a:bodyPr>
+            <a:lstStyle/>
+            <a:p>
+              <a:pPr marL="0" marR="0" lvl="0" indent="0" algn="l" rtl="0">
+                <a:spcBef>
+                  <a:spcPts val="0"/>
+                </a:spcBef>
+                <a:spcAft>
+                  <a:spcPts val="0"/>
+                </a:spcAft>
+                <a:buNone/>
+              </a:pPr>
+              <a:endParaRPr sz="1800" b="0" i="0" u="none" strike="noStrike" cap="none">
+                <a:solidFill>
+                  <a:schemeClr val="dk1"/>
+                </a:solidFill>
+                <a:latin typeface="Gill Sans"/>
+                <a:ea typeface="Gill Sans"/>
+                <a:cs typeface="Gill Sans"/>
+                <a:sym typeface="Gill Sans"/>
+              </a:endParaRPr>
+            </a:p>
+          </p:txBody>
+        </p:sp>
+        <p:sp>
+          <p:nvSpPr>
+            <p:cNvPr id="184" name="Google Shape;184;p2"/>
+            <p:cNvSpPr/>
+            <p:nvPr/>
+          </p:nvSpPr>
+          <p:spPr>
+            <a:xfrm>
+              <a:off x="6871" y="692"/>
+              <a:ext cx="57" cy="57"/>
+            </a:xfrm>
+            <a:custGeom>
+              <a:avLst/>
+              <a:gdLst/>
+              <a:ahLst/>
+              <a:cxnLst/>
+              <a:rect l="l" t="t" r="r" b="b"/>
+              <a:pathLst>
+                <a:path w="57" h="57" extrusionOk="0">
+                  <a:moveTo>
+                    <a:pt x="44" y="57"/>
+                  </a:moveTo>
+                  <a:lnTo>
+                    <a:pt x="0" y="13"/>
+                  </a:lnTo>
+                  <a:lnTo>
+                    <a:pt x="13" y="0"/>
+                  </a:lnTo>
+                  <a:lnTo>
+                    <a:pt x="57" y="44"/>
+                  </a:lnTo>
+                  <a:lnTo>
+                    <a:pt x="44" y="57"/>
+                  </a:lnTo>
+                  <a:close/>
+                </a:path>
+              </a:pathLst>
+            </a:custGeom>
+            <a:solidFill>
+              <a:schemeClr val="accent1"/>
+            </a:solidFill>
+            <a:ln>
+              <a:noFill/>
+            </a:ln>
+          </p:spPr>
+          <p:txBody>
+            <a:bodyPr spcFirstLastPara="1" wrap="square" lIns="91400" tIns="45700" rIns="91400" bIns="45700" anchor="t" anchorCtr="0">
+              <a:noAutofit/>
+            </a:bodyPr>
+            <a:lstStyle/>
+            <a:p>
+              <a:pPr marL="0" marR="0" lvl="0" indent="0" algn="l" rtl="0">
+                <a:spcBef>
+                  <a:spcPts val="0"/>
+                </a:spcBef>
+                <a:spcAft>
+                  <a:spcPts val="0"/>
+                </a:spcAft>
+                <a:buNone/>
+              </a:pPr>
+              <a:endParaRPr sz="1800" b="0" i="0" u="none" strike="noStrike" cap="none">
+                <a:solidFill>
+                  <a:schemeClr val="dk1"/>
+                </a:solidFill>
+                <a:latin typeface="Gill Sans"/>
+                <a:ea typeface="Gill Sans"/>
+                <a:cs typeface="Gill Sans"/>
+                <a:sym typeface="Gill Sans"/>
+              </a:endParaRPr>
+            </a:p>
+          </p:txBody>
+        </p:sp>
+        <p:sp>
+          <p:nvSpPr>
+            <p:cNvPr id="185" name="Google Shape;185;p2"/>
+            <p:cNvSpPr/>
+            <p:nvPr/>
+          </p:nvSpPr>
+          <p:spPr>
+            <a:xfrm>
+              <a:off x="6770" y="786"/>
+              <a:ext cx="64" cy="62"/>
+            </a:xfrm>
+            <a:custGeom>
+              <a:avLst/>
+              <a:gdLst/>
+              <a:ahLst/>
+              <a:cxnLst/>
+              <a:rect l="l" t="t" r="r" b="b"/>
+              <a:pathLst>
+                <a:path w="43" h="42" extrusionOk="0">
+                  <a:moveTo>
+                    <a:pt x="36" y="42"/>
+                  </a:moveTo>
+                  <a:cubicBezTo>
+                    <a:pt x="35" y="42"/>
+                    <a:pt x="33" y="42"/>
+                    <a:pt x="32" y="41"/>
+                  </a:cubicBezTo>
+                  <a:cubicBezTo>
+                    <a:pt x="2" y="11"/>
+                    <a:pt x="2" y="11"/>
+                    <a:pt x="2" y="11"/>
+                  </a:cubicBezTo>
+                  <a:cubicBezTo>
+                    <a:pt x="0" y="8"/>
+                    <a:pt x="0" y="5"/>
+                    <a:pt x="2" y="2"/>
+                  </a:cubicBezTo>
+                  <a:cubicBezTo>
+                    <a:pt x="5" y="0"/>
+                    <a:pt x="8" y="0"/>
+                    <a:pt x="11" y="2"/>
+                  </a:cubicBezTo>
+                  <a:cubicBezTo>
+                    <a:pt x="41" y="32"/>
+                    <a:pt x="41" y="32"/>
+                    <a:pt x="41" y="32"/>
+                  </a:cubicBezTo>
+                  <a:cubicBezTo>
+                    <a:pt x="43" y="35"/>
+                    <a:pt x="43" y="38"/>
+                    <a:pt x="41" y="41"/>
+                  </a:cubicBezTo>
+                  <a:cubicBezTo>
+                    <a:pt x="39" y="42"/>
+                    <a:pt x="38" y="42"/>
+                    <a:pt x="36" y="42"/>
+                  </a:cubicBezTo>
+                  <a:close/>
+                </a:path>
+              </a:pathLst>
+            </a:custGeom>
+            <a:solidFill>
+              <a:schemeClr val="accent1"/>
+            </a:solidFill>
+            <a:ln>
+              <a:noFill/>
+            </a:ln>
+          </p:spPr>
+          <p:txBody>
+            <a:bodyPr spcFirstLastPara="1" wrap="square" lIns="91400" tIns="45700" rIns="91400" bIns="45700" anchor="t" anchorCtr="0">
+              <a:noAutofit/>
+            </a:bodyPr>
+            <a:lstStyle/>
+            <a:p>
+              <a:pPr marL="0" marR="0" lvl="0" indent="0" algn="l" rtl="0">
+                <a:spcBef>
+                  <a:spcPts val="0"/>
+                </a:spcBef>
+                <a:spcAft>
+                  <a:spcPts val="0"/>
+                </a:spcAft>
+                <a:buNone/>
+              </a:pPr>
+              <a:endParaRPr sz="1800" b="0" i="0" u="none" strike="noStrike" cap="none">
+                <a:solidFill>
+                  <a:schemeClr val="dk1"/>
+                </a:solidFill>
+                <a:latin typeface="Gill Sans"/>
+                <a:ea typeface="Gill Sans"/>
+                <a:cs typeface="Gill Sans"/>
+                <a:sym typeface="Gill Sans"/>
+              </a:endParaRPr>
+            </a:p>
+          </p:txBody>
+        </p:sp>
+        <p:sp>
+          <p:nvSpPr>
+            <p:cNvPr id="186" name="Google Shape;186;p2"/>
+            <p:cNvSpPr/>
+            <p:nvPr/>
+          </p:nvSpPr>
+          <p:spPr>
+            <a:xfrm>
+              <a:off x="6690" y="618"/>
+              <a:ext cx="89" cy="17"/>
+            </a:xfrm>
+            <a:custGeom>
+              <a:avLst/>
+              <a:gdLst/>
+              <a:ahLst/>
+              <a:cxnLst/>
+              <a:rect l="l" t="t" r="r" b="b"/>
+              <a:pathLst>
+                <a:path w="60" h="12" extrusionOk="0">
+                  <a:moveTo>
+                    <a:pt x="54" y="12"/>
+                  </a:moveTo>
+                  <a:cubicBezTo>
+                    <a:pt x="6" y="12"/>
+                    <a:pt x="6" y="12"/>
+                    <a:pt x="6" y="12"/>
+                  </a:cubicBezTo>
+                  <a:cubicBezTo>
+                    <a:pt x="3" y="12"/>
+                    <a:pt x="0" y="10"/>
+                    <a:pt x="0" y="6"/>
+                  </a:cubicBezTo>
+                  <a:cubicBezTo>
+                    <a:pt x="0" y="3"/>
+                    <a:pt x="3" y="0"/>
+                    <a:pt x="6" y="0"/>
+                  </a:cubicBezTo>
+                  <a:cubicBezTo>
+                    <a:pt x="54" y="0"/>
+                    <a:pt x="54" y="0"/>
+                    <a:pt x="54" y="0"/>
+                  </a:cubicBezTo>
+                  <a:cubicBezTo>
+                    <a:pt x="58" y="0"/>
+                    <a:pt x="60" y="3"/>
+                    <a:pt x="60" y="6"/>
+                  </a:cubicBezTo>
+                  <a:cubicBezTo>
+                    <a:pt x="60" y="10"/>
+                    <a:pt x="58" y="12"/>
+                    <a:pt x="54" y="12"/>
+                  </a:cubicBezTo>
+                  <a:close/>
+                </a:path>
+              </a:pathLst>
+            </a:custGeom>
+            <a:solidFill>
+              <a:schemeClr val="accent1"/>
+            </a:solidFill>
+            <a:ln>
+              <a:noFill/>
+            </a:ln>
+          </p:spPr>
+          <p:txBody>
+            <a:bodyPr spcFirstLastPara="1" wrap="square" lIns="91400" tIns="45700" rIns="91400" bIns="45700" anchor="t" anchorCtr="0">
+              <a:noAutofit/>
+            </a:bodyPr>
+            <a:lstStyle/>
+            <a:p>
+              <a:pPr marL="0" marR="0" lvl="0" indent="0" algn="l" rtl="0">
+                <a:spcBef>
+                  <a:spcPts val="0"/>
+                </a:spcBef>
+                <a:spcAft>
+                  <a:spcPts val="0"/>
+                </a:spcAft>
+                <a:buNone/>
+              </a:pPr>
+              <a:endParaRPr sz="1800" b="0" i="0" u="none" strike="noStrike" cap="none">
+                <a:solidFill>
+                  <a:schemeClr val="dk1"/>
+                </a:solidFill>
+                <a:latin typeface="Gill Sans"/>
+                <a:ea typeface="Gill Sans"/>
+                <a:cs typeface="Gill Sans"/>
+                <a:sym typeface="Gill Sans"/>
+              </a:endParaRPr>
+            </a:p>
+          </p:txBody>
+        </p:sp>
+        <p:sp>
+          <p:nvSpPr>
+            <p:cNvPr id="187" name="Google Shape;187;p2"/>
+            <p:cNvSpPr/>
+            <p:nvPr/>
+          </p:nvSpPr>
+          <p:spPr>
+            <a:xfrm>
+              <a:off x="6690" y="689"/>
+              <a:ext cx="89" cy="17"/>
+            </a:xfrm>
+            <a:custGeom>
+              <a:avLst/>
+              <a:gdLst/>
+              <a:ahLst/>
+              <a:cxnLst/>
+              <a:rect l="l" t="t" r="r" b="b"/>
+              <a:pathLst>
+                <a:path w="60" h="12" extrusionOk="0">
+                  <a:moveTo>
+                    <a:pt x="54" y="12"/>
+                  </a:moveTo>
+                  <a:cubicBezTo>
+                    <a:pt x="6" y="12"/>
+                    <a:pt x="6" y="12"/>
+                    <a:pt x="6" y="12"/>
+                  </a:cubicBezTo>
+                  <a:cubicBezTo>
+                    <a:pt x="3" y="12"/>
+                    <a:pt x="0" y="10"/>
+                    <a:pt x="0" y="6"/>
+                  </a:cubicBezTo>
+                  <a:cubicBezTo>
+                    <a:pt x="0" y="3"/>
+                    <a:pt x="3" y="0"/>
+                    <a:pt x="6" y="0"/>
+                  </a:cubicBezTo>
+                  <a:cubicBezTo>
+                    <a:pt x="54" y="0"/>
+                    <a:pt x="54" y="0"/>
+                    <a:pt x="54" y="0"/>
+                  </a:cubicBezTo>
+                  <a:cubicBezTo>
+                    <a:pt x="58" y="0"/>
+                    <a:pt x="60" y="3"/>
+                    <a:pt x="60" y="6"/>
+                  </a:cubicBezTo>
+                  <a:cubicBezTo>
+                    <a:pt x="60" y="10"/>
+                    <a:pt x="58" y="12"/>
+                    <a:pt x="54" y="12"/>
+                  </a:cubicBezTo>
+                  <a:close/>
+                </a:path>
+              </a:pathLst>
+            </a:custGeom>
+            <a:solidFill>
+              <a:schemeClr val="accent1"/>
+            </a:solidFill>
+            <a:ln>
+              <a:noFill/>
+            </a:ln>
+          </p:spPr>
+          <p:txBody>
+            <a:bodyPr spcFirstLastPara="1" wrap="square" lIns="91400" tIns="45700" rIns="91400" bIns="45700" anchor="t" anchorCtr="0">
+              <a:noAutofit/>
+            </a:bodyPr>
+            <a:lstStyle/>
+            <a:p>
+              <a:pPr marL="0" marR="0" lvl="0" indent="0" algn="l" rtl="0">
+                <a:spcBef>
+                  <a:spcPts val="0"/>
+                </a:spcBef>
+                <a:spcAft>
+                  <a:spcPts val="0"/>
+                </a:spcAft>
+                <a:buNone/>
+              </a:pPr>
+              <a:endParaRPr sz="1800" b="0" i="0" u="none" strike="noStrike" cap="none">
+                <a:solidFill>
+                  <a:schemeClr val="dk1"/>
+                </a:solidFill>
+                <a:latin typeface="Gill Sans"/>
+                <a:ea typeface="Gill Sans"/>
+                <a:cs typeface="Gill Sans"/>
+                <a:sym typeface="Gill Sans"/>
+              </a:endParaRPr>
+            </a:p>
+          </p:txBody>
+        </p:sp>
+        <p:sp>
+          <p:nvSpPr>
+            <p:cNvPr id="188" name="Google Shape;188;p2"/>
+            <p:cNvSpPr/>
+            <p:nvPr/>
+          </p:nvSpPr>
+          <p:spPr>
+            <a:xfrm>
+              <a:off x="6593" y="582"/>
+              <a:ext cx="90" cy="62"/>
+            </a:xfrm>
+            <a:custGeom>
+              <a:avLst/>
+              <a:gdLst/>
+              <a:ahLst/>
+              <a:cxnLst/>
+              <a:rect l="l" t="t" r="r" b="b"/>
+              <a:pathLst>
+                <a:path w="61" h="42" extrusionOk="0">
+                  <a:moveTo>
+                    <a:pt x="24" y="42"/>
+                  </a:moveTo>
+                  <a:cubicBezTo>
+                    <a:pt x="23" y="42"/>
+                    <a:pt x="21" y="42"/>
+                    <a:pt x="20" y="41"/>
+                  </a:cubicBezTo>
+                  <a:cubicBezTo>
+                    <a:pt x="2" y="23"/>
+                    <a:pt x="2" y="23"/>
+                    <a:pt x="2" y="23"/>
+                  </a:cubicBezTo>
+                  <a:cubicBezTo>
+                    <a:pt x="0" y="20"/>
+                    <a:pt x="0" y="17"/>
+                    <a:pt x="2" y="14"/>
+                  </a:cubicBezTo>
+                  <a:cubicBezTo>
+                    <a:pt x="5" y="12"/>
+                    <a:pt x="8" y="12"/>
+                    <a:pt x="11" y="14"/>
+                  </a:cubicBezTo>
+                  <a:cubicBezTo>
+                    <a:pt x="24" y="28"/>
+                    <a:pt x="24" y="28"/>
+                    <a:pt x="24" y="28"/>
+                  </a:cubicBezTo>
+                  <a:cubicBezTo>
+                    <a:pt x="50" y="2"/>
+                    <a:pt x="50" y="2"/>
+                    <a:pt x="50" y="2"/>
+                  </a:cubicBezTo>
+                  <a:cubicBezTo>
+                    <a:pt x="53" y="0"/>
+                    <a:pt x="56" y="0"/>
+                    <a:pt x="59" y="2"/>
+                  </a:cubicBezTo>
+                  <a:cubicBezTo>
+                    <a:pt x="61" y="5"/>
+                    <a:pt x="61" y="8"/>
+                    <a:pt x="59" y="11"/>
+                  </a:cubicBezTo>
+                  <a:cubicBezTo>
+                    <a:pt x="29" y="41"/>
+                    <a:pt x="29" y="41"/>
+                    <a:pt x="29" y="41"/>
+                  </a:cubicBezTo>
+                  <a:cubicBezTo>
+                    <a:pt x="28" y="42"/>
+                    <a:pt x="26" y="42"/>
+                    <a:pt x="24" y="42"/>
+                  </a:cubicBezTo>
+                  <a:close/>
+                </a:path>
+              </a:pathLst>
+            </a:custGeom>
+            <a:solidFill>
+              <a:schemeClr val="accent1"/>
+            </a:solidFill>
+            <a:ln>
+              <a:noFill/>
+            </a:ln>
+          </p:spPr>
+          <p:txBody>
+            <a:bodyPr spcFirstLastPara="1" wrap="square" lIns="91400" tIns="45700" rIns="91400" bIns="45700" anchor="t" anchorCtr="0">
+              <a:noAutofit/>
+            </a:bodyPr>
+            <a:lstStyle/>
+            <a:p>
+              <a:pPr marL="0" marR="0" lvl="0" indent="0" algn="l" rtl="0">
+                <a:spcBef>
+                  <a:spcPts val="0"/>
+                </a:spcBef>
+                <a:spcAft>
+                  <a:spcPts val="0"/>
+                </a:spcAft>
+                <a:buNone/>
+              </a:pPr>
+              <a:endParaRPr sz="1800" b="0" i="0" u="none" strike="noStrike" cap="none">
+                <a:solidFill>
+                  <a:schemeClr val="dk1"/>
+                </a:solidFill>
+                <a:latin typeface="Gill Sans"/>
+                <a:ea typeface="Gill Sans"/>
+                <a:cs typeface="Gill Sans"/>
+                <a:sym typeface="Gill Sans"/>
+              </a:endParaRPr>
+            </a:p>
+          </p:txBody>
+        </p:sp>
+        <p:sp>
+          <p:nvSpPr>
+            <p:cNvPr id="189" name="Google Shape;189;p2"/>
+            <p:cNvSpPr/>
+            <p:nvPr/>
+          </p:nvSpPr>
+          <p:spPr>
+            <a:xfrm>
+              <a:off x="6593" y="653"/>
+              <a:ext cx="90" cy="64"/>
+            </a:xfrm>
+            <a:custGeom>
+              <a:avLst/>
+              <a:gdLst/>
+              <a:ahLst/>
+              <a:cxnLst/>
+              <a:rect l="l" t="t" r="r" b="b"/>
+              <a:pathLst>
+                <a:path w="61" h="43" extrusionOk="0">
+                  <a:moveTo>
+                    <a:pt x="24" y="43"/>
+                  </a:moveTo>
+                  <a:cubicBezTo>
+                    <a:pt x="23" y="43"/>
+                    <a:pt x="21" y="42"/>
+                    <a:pt x="20" y="41"/>
+                  </a:cubicBezTo>
+                  <a:cubicBezTo>
+                    <a:pt x="2" y="23"/>
+                    <a:pt x="2" y="23"/>
+                    <a:pt x="2" y="23"/>
+                  </a:cubicBezTo>
+                  <a:cubicBezTo>
+                    <a:pt x="0" y="21"/>
+                    <a:pt x="0" y="17"/>
+                    <a:pt x="2" y="14"/>
+                  </a:cubicBezTo>
+                  <a:cubicBezTo>
+                    <a:pt x="5" y="12"/>
+                    <a:pt x="8" y="12"/>
+                    <a:pt x="11" y="14"/>
+                  </a:cubicBezTo>
+                  <a:cubicBezTo>
+                    <a:pt x="24" y="28"/>
+                    <a:pt x="24" y="28"/>
+                    <a:pt x="24" y="28"/>
+                  </a:cubicBezTo>
+                  <a:cubicBezTo>
+                    <a:pt x="50" y="2"/>
+                    <a:pt x="50" y="2"/>
+                    <a:pt x="50" y="2"/>
+                  </a:cubicBezTo>
+                  <a:cubicBezTo>
+                    <a:pt x="53" y="0"/>
+                    <a:pt x="56" y="0"/>
+                    <a:pt x="59" y="2"/>
+                  </a:cubicBezTo>
+                  <a:cubicBezTo>
+                    <a:pt x="61" y="5"/>
+                    <a:pt x="61" y="9"/>
+                    <a:pt x="59" y="11"/>
+                  </a:cubicBezTo>
+                  <a:cubicBezTo>
+                    <a:pt x="29" y="41"/>
+                    <a:pt x="29" y="41"/>
+                    <a:pt x="29" y="41"/>
+                  </a:cubicBezTo>
+                  <a:cubicBezTo>
+                    <a:pt x="28" y="42"/>
+                    <a:pt x="26" y="43"/>
+                    <a:pt x="24" y="43"/>
+                  </a:cubicBezTo>
+                  <a:close/>
+                </a:path>
+              </a:pathLst>
+            </a:custGeom>
+            <a:solidFill>
+              <a:schemeClr val="accent1"/>
+            </a:solidFill>
+            <a:ln>
+              <a:noFill/>
+            </a:ln>
+          </p:spPr>
+          <p:txBody>
+            <a:bodyPr spcFirstLastPara="1" wrap="square" lIns="91400" tIns="45700" rIns="91400" bIns="45700" anchor="t" anchorCtr="0">
+              <a:noAutofit/>
+            </a:bodyPr>
+            <a:lstStyle/>
+            <a:p>
+              <a:pPr marL="0" marR="0" lvl="0" indent="0" algn="l" rtl="0">
+                <a:spcBef>
+                  <a:spcPts val="0"/>
+                </a:spcBef>
+                <a:spcAft>
+                  <a:spcPts val="0"/>
+                </a:spcAft>
+                <a:buNone/>
+              </a:pPr>
+              <a:endParaRPr sz="1800" b="0" i="0" u="none" strike="noStrike" cap="none">
+                <a:solidFill>
+                  <a:schemeClr val="dk1"/>
+                </a:solidFill>
+                <a:latin typeface="Gill Sans"/>
+                <a:ea typeface="Gill Sans"/>
+                <a:cs typeface="Gill Sans"/>
+                <a:sym typeface="Gill Sans"/>
+              </a:endParaRPr>
+            </a:p>
+          </p:txBody>
+        </p:sp>
+        <p:sp>
+          <p:nvSpPr>
+            <p:cNvPr id="190" name="Google Shape;190;p2"/>
+            <p:cNvSpPr/>
+            <p:nvPr/>
+          </p:nvSpPr>
+          <p:spPr>
+            <a:xfrm>
+              <a:off x="6539" y="440"/>
+              <a:ext cx="302" cy="391"/>
+            </a:xfrm>
+            <a:custGeom>
+              <a:avLst/>
+              <a:gdLst/>
+              <a:ahLst/>
+              <a:cxnLst/>
+              <a:rect l="l" t="t" r="r" b="b"/>
+              <a:pathLst>
+                <a:path w="204" h="264" extrusionOk="0">
+                  <a:moveTo>
+                    <a:pt x="108" y="264"/>
+                  </a:moveTo>
+                  <a:cubicBezTo>
+                    <a:pt x="6" y="264"/>
+                    <a:pt x="6" y="264"/>
+                    <a:pt x="6" y="264"/>
+                  </a:cubicBezTo>
+                  <a:cubicBezTo>
+                    <a:pt x="3" y="264"/>
+                    <a:pt x="0" y="262"/>
+                    <a:pt x="0" y="258"/>
+                  </a:cubicBezTo>
+                  <a:cubicBezTo>
+                    <a:pt x="0" y="6"/>
+                    <a:pt x="0" y="6"/>
+                    <a:pt x="0" y="6"/>
+                  </a:cubicBezTo>
+                  <a:cubicBezTo>
+                    <a:pt x="0" y="3"/>
+                    <a:pt x="3" y="0"/>
+                    <a:pt x="6" y="0"/>
+                  </a:cubicBezTo>
+                  <a:cubicBezTo>
+                    <a:pt x="138" y="0"/>
+                    <a:pt x="138" y="0"/>
+                    <a:pt x="138" y="0"/>
+                  </a:cubicBezTo>
+                  <a:cubicBezTo>
+                    <a:pt x="140" y="0"/>
+                    <a:pt x="142" y="1"/>
+                    <a:pt x="143" y="2"/>
+                  </a:cubicBezTo>
+                  <a:cubicBezTo>
+                    <a:pt x="203" y="62"/>
+                    <a:pt x="203" y="62"/>
+                    <a:pt x="203" y="62"/>
+                  </a:cubicBezTo>
+                  <a:cubicBezTo>
+                    <a:pt x="204" y="63"/>
+                    <a:pt x="204" y="65"/>
+                    <a:pt x="204" y="66"/>
+                  </a:cubicBezTo>
+                  <a:cubicBezTo>
+                    <a:pt x="204" y="156"/>
+                    <a:pt x="204" y="156"/>
+                    <a:pt x="204" y="156"/>
+                  </a:cubicBezTo>
+                  <a:cubicBezTo>
+                    <a:pt x="192" y="156"/>
+                    <a:pt x="192" y="156"/>
+                    <a:pt x="192" y="156"/>
+                  </a:cubicBezTo>
+                  <a:cubicBezTo>
+                    <a:pt x="192" y="69"/>
+                    <a:pt x="192" y="69"/>
+                    <a:pt x="192" y="69"/>
+                  </a:cubicBezTo>
+                  <a:cubicBezTo>
+                    <a:pt x="136" y="12"/>
+                    <a:pt x="136" y="12"/>
+                    <a:pt x="136" y="12"/>
+                  </a:cubicBezTo>
+                  <a:cubicBezTo>
+                    <a:pt x="12" y="12"/>
+                    <a:pt x="12" y="12"/>
+                    <a:pt x="12" y="12"/>
+                  </a:cubicBezTo>
+                  <a:cubicBezTo>
+                    <a:pt x="12" y="252"/>
+                    <a:pt x="12" y="252"/>
+                    <a:pt x="12" y="252"/>
+                  </a:cubicBezTo>
+                  <a:cubicBezTo>
+                    <a:pt x="108" y="252"/>
+                    <a:pt x="108" y="252"/>
+                    <a:pt x="108" y="252"/>
+                  </a:cubicBezTo>
+                  <a:lnTo>
+                    <a:pt x="108" y="264"/>
+                  </a:lnTo>
+                  <a:close/>
+                </a:path>
+              </a:pathLst>
+            </a:custGeom>
+            <a:solidFill>
+              <a:schemeClr val="accent1"/>
+            </a:solidFill>
+            <a:ln>
+              <a:noFill/>
+            </a:ln>
+          </p:spPr>
+          <p:txBody>
+            <a:bodyPr spcFirstLastPara="1" wrap="square" lIns="91400" tIns="45700" rIns="91400" bIns="45700" anchor="t" anchorCtr="0">
+              <a:noAutofit/>
+            </a:bodyPr>
+            <a:lstStyle/>
+            <a:p>
+              <a:pPr marL="0" marR="0" lvl="0" indent="0" algn="l" rtl="0">
+                <a:spcBef>
+                  <a:spcPts val="0"/>
+                </a:spcBef>
+                <a:spcAft>
+                  <a:spcPts val="0"/>
+                </a:spcAft>
+                <a:buNone/>
+              </a:pPr>
+              <a:endParaRPr sz="1800" b="0" i="0" u="none" strike="noStrike" cap="none">
+                <a:solidFill>
+                  <a:schemeClr val="dk1"/>
+                </a:solidFill>
+                <a:latin typeface="Gill Sans"/>
+                <a:ea typeface="Gill Sans"/>
+                <a:cs typeface="Gill Sans"/>
+                <a:sym typeface="Gill Sans"/>
+              </a:endParaRPr>
+            </a:p>
+          </p:txBody>
+        </p:sp>
+        <p:sp>
+          <p:nvSpPr>
+            <p:cNvPr id="191" name="Google Shape;191;p2"/>
+            <p:cNvSpPr/>
+            <p:nvPr/>
+          </p:nvSpPr>
+          <p:spPr>
+            <a:xfrm>
+              <a:off x="6734" y="440"/>
+              <a:ext cx="107" cy="107"/>
+            </a:xfrm>
+            <a:custGeom>
+              <a:avLst/>
+              <a:gdLst/>
+              <a:ahLst/>
+              <a:cxnLst/>
+              <a:rect l="l" t="t" r="r" b="b"/>
+              <a:pathLst>
+                <a:path w="72" h="72" extrusionOk="0">
+                  <a:moveTo>
+                    <a:pt x="66" y="72"/>
+                  </a:moveTo>
+                  <a:cubicBezTo>
+                    <a:pt x="6" y="72"/>
+                    <a:pt x="6" y="72"/>
+                    <a:pt x="6" y="72"/>
+                  </a:cubicBezTo>
+                  <a:cubicBezTo>
+                    <a:pt x="3" y="72"/>
+                    <a:pt x="0" y="70"/>
+                    <a:pt x="0" y="66"/>
+                  </a:cubicBezTo>
+                  <a:cubicBezTo>
+                    <a:pt x="0" y="6"/>
+                    <a:pt x="0" y="6"/>
+                    <a:pt x="0" y="6"/>
+                  </a:cubicBezTo>
+                  <a:cubicBezTo>
+                    <a:pt x="0" y="3"/>
+                    <a:pt x="3" y="0"/>
+                    <a:pt x="6" y="0"/>
+                  </a:cubicBezTo>
+                  <a:cubicBezTo>
+                    <a:pt x="10" y="0"/>
+                    <a:pt x="12" y="3"/>
+                    <a:pt x="12" y="6"/>
+                  </a:cubicBezTo>
+                  <a:cubicBezTo>
+                    <a:pt x="12" y="60"/>
+                    <a:pt x="12" y="60"/>
+                    <a:pt x="12" y="60"/>
+                  </a:cubicBezTo>
+                  <a:cubicBezTo>
+                    <a:pt x="66" y="60"/>
+                    <a:pt x="66" y="60"/>
+                    <a:pt x="66" y="60"/>
+                  </a:cubicBezTo>
+                  <a:cubicBezTo>
+                    <a:pt x="70" y="60"/>
+                    <a:pt x="72" y="63"/>
+                    <a:pt x="72" y="66"/>
+                  </a:cubicBezTo>
+                  <a:cubicBezTo>
+                    <a:pt x="72" y="70"/>
+                    <a:pt x="70" y="72"/>
+                    <a:pt x="66" y="72"/>
+                  </a:cubicBezTo>
+                  <a:close/>
+                </a:path>
+              </a:pathLst>
+            </a:custGeom>
+            <a:solidFill>
+              <a:schemeClr val="accent1"/>
+            </a:solidFill>
+            <a:ln>
+              <a:noFill/>
+            </a:ln>
+          </p:spPr>
+          <p:txBody>
+            <a:bodyPr spcFirstLastPara="1" wrap="square" lIns="91400" tIns="45700" rIns="91400" bIns="45700" anchor="t" anchorCtr="0">
+              <a:noAutofit/>
+            </a:bodyPr>
+            <a:lstStyle/>
+            <a:p>
+              <a:pPr marL="0" marR="0" lvl="0" indent="0" algn="l" rtl="0">
+                <a:spcBef>
+                  <a:spcPts val="0"/>
+                </a:spcBef>
+                <a:spcAft>
+                  <a:spcPts val="0"/>
+                </a:spcAft>
+                <a:buNone/>
+              </a:pPr>
+              <a:endParaRPr sz="1800" b="0" i="0" u="none" strike="noStrike" cap="none">
+                <a:solidFill>
+                  <a:schemeClr val="dk1"/>
+                </a:solidFill>
+                <a:latin typeface="Gill Sans"/>
+                <a:ea typeface="Gill Sans"/>
+                <a:cs typeface="Gill Sans"/>
+                <a:sym typeface="Gill Sans"/>
+              </a:endParaRPr>
+            </a:p>
+          </p:txBody>
+        </p:sp>
+      </p:grpSp>
+      <p:grpSp>
+        <p:nvGrpSpPr>
+          <p:cNvPr id="192" name="Google Shape;192;p2" descr="binocular "/>
+          <p:cNvGrpSpPr/>
+          <p:nvPr/>
+        </p:nvGrpSpPr>
+        <p:grpSpPr>
+          <a:xfrm>
+            <a:off x="2433229" y="910189"/>
+            <a:ext cx="530860" cy="491076"/>
+            <a:chOff x="3438" y="454"/>
+            <a:chExt cx="427" cy="395"/>
+          </a:xfrm>
+        </p:grpSpPr>
+        <p:sp>
+          <p:nvSpPr>
+            <p:cNvPr id="193" name="Google Shape;193;p2"/>
+            <p:cNvSpPr/>
+            <p:nvPr/>
+          </p:nvSpPr>
+          <p:spPr>
+            <a:xfrm>
+              <a:off x="3438" y="653"/>
+              <a:ext cx="196" cy="196"/>
+            </a:xfrm>
+            <a:custGeom>
+              <a:avLst/>
+              <a:gdLst/>
+              <a:ahLst/>
+              <a:cxnLst/>
+              <a:rect l="l" t="t" r="r" b="b"/>
+              <a:pathLst>
+                <a:path w="132" h="132" extrusionOk="0">
+                  <a:moveTo>
+                    <a:pt x="66" y="132"/>
+                  </a:moveTo>
+                  <a:cubicBezTo>
+                    <a:pt x="29" y="132"/>
+                    <a:pt x="0" y="102"/>
+                    <a:pt x="0" y="66"/>
+                  </a:cubicBezTo>
+                  <a:cubicBezTo>
+                    <a:pt x="0" y="29"/>
+                    <a:pt x="29" y="0"/>
+                    <a:pt x="66" y="0"/>
+                  </a:cubicBezTo>
+                  <a:cubicBezTo>
+                    <a:pt x="102" y="0"/>
+                    <a:pt x="132" y="29"/>
+                    <a:pt x="132" y="66"/>
+                  </a:cubicBezTo>
+                  <a:cubicBezTo>
+                    <a:pt x="132" y="102"/>
+                    <a:pt x="102" y="132"/>
+                    <a:pt x="66" y="132"/>
+                  </a:cubicBezTo>
+                  <a:close/>
+                  <a:moveTo>
+                    <a:pt x="66" y="12"/>
+                  </a:moveTo>
+                  <a:cubicBezTo>
+                    <a:pt x="36" y="12"/>
+                    <a:pt x="12" y="36"/>
+                    <a:pt x="12" y="66"/>
+                  </a:cubicBezTo>
+                  <a:cubicBezTo>
+                    <a:pt x="12" y="95"/>
+                    <a:pt x="36" y="120"/>
+                    <a:pt x="66" y="120"/>
+                  </a:cubicBezTo>
+                  <a:cubicBezTo>
+                    <a:pt x="96" y="120"/>
+                    <a:pt x="120" y="95"/>
+                    <a:pt x="120" y="66"/>
+                  </a:cubicBezTo>
+                  <a:cubicBezTo>
+                    <a:pt x="120" y="36"/>
+                    <a:pt x="96" y="12"/>
+                    <a:pt x="66" y="12"/>
+                  </a:cubicBezTo>
+                  <a:close/>
+                </a:path>
+              </a:pathLst>
+            </a:custGeom>
+            <a:solidFill>
+              <a:schemeClr val="accent1"/>
+            </a:solidFill>
+            <a:ln>
+              <a:noFill/>
+            </a:ln>
+          </p:spPr>
+          <p:txBody>
+            <a:bodyPr spcFirstLastPara="1" wrap="square" lIns="91400" tIns="45700" rIns="91400" bIns="45700" anchor="t" anchorCtr="0">
+              <a:noAutofit/>
+            </a:bodyPr>
+            <a:lstStyle/>
+            <a:p>
+              <a:pPr marL="0" marR="0" lvl="0" indent="0" algn="l" rtl="0">
+                <a:spcBef>
+                  <a:spcPts val="0"/>
+                </a:spcBef>
+                <a:spcAft>
+                  <a:spcPts val="0"/>
+                </a:spcAft>
+                <a:buNone/>
+              </a:pPr>
+              <a:endParaRPr sz="1800" b="0" i="0" u="none" strike="noStrike" cap="none">
+                <a:solidFill>
+                  <a:schemeClr val="dk1"/>
+                </a:solidFill>
+                <a:latin typeface="Gill Sans"/>
+                <a:ea typeface="Gill Sans"/>
+                <a:cs typeface="Gill Sans"/>
+                <a:sym typeface="Gill Sans"/>
+              </a:endParaRPr>
+            </a:p>
+          </p:txBody>
+        </p:sp>
+        <p:sp>
+          <p:nvSpPr>
+            <p:cNvPr id="194" name="Google Shape;194;p2"/>
+            <p:cNvSpPr/>
+            <p:nvPr/>
+          </p:nvSpPr>
+          <p:spPr>
+            <a:xfrm>
+              <a:off x="3455" y="457"/>
+              <a:ext cx="179" cy="250"/>
+            </a:xfrm>
+            <a:custGeom>
+              <a:avLst/>
+              <a:gdLst/>
+              <a:ahLst/>
+              <a:cxnLst/>
+              <a:rect l="l" t="t" r="r" b="b"/>
+              <a:pathLst>
+                <a:path w="121" h="169" extrusionOk="0">
+                  <a:moveTo>
+                    <a:pt x="7" y="169"/>
+                  </a:moveTo>
+                  <a:cubicBezTo>
+                    <a:pt x="6" y="169"/>
+                    <a:pt x="5" y="168"/>
+                    <a:pt x="4" y="168"/>
+                  </a:cubicBezTo>
+                  <a:cubicBezTo>
+                    <a:pt x="1" y="167"/>
+                    <a:pt x="0" y="163"/>
+                    <a:pt x="1" y="160"/>
+                  </a:cubicBezTo>
+                  <a:cubicBezTo>
+                    <a:pt x="37" y="76"/>
+                    <a:pt x="37" y="76"/>
+                    <a:pt x="37" y="76"/>
+                  </a:cubicBezTo>
+                  <a:cubicBezTo>
+                    <a:pt x="38" y="76"/>
+                    <a:pt x="38" y="75"/>
+                    <a:pt x="39" y="74"/>
+                  </a:cubicBezTo>
+                  <a:cubicBezTo>
+                    <a:pt x="56" y="57"/>
+                    <a:pt x="56" y="57"/>
+                    <a:pt x="56" y="57"/>
+                  </a:cubicBezTo>
+                  <a:cubicBezTo>
+                    <a:pt x="73" y="11"/>
+                    <a:pt x="73" y="11"/>
+                    <a:pt x="73" y="11"/>
+                  </a:cubicBezTo>
+                  <a:cubicBezTo>
+                    <a:pt x="74" y="10"/>
+                    <a:pt x="74" y="9"/>
+                    <a:pt x="75" y="8"/>
+                  </a:cubicBezTo>
+                  <a:cubicBezTo>
+                    <a:pt x="80" y="3"/>
+                    <a:pt x="88" y="0"/>
+                    <a:pt x="97" y="0"/>
+                  </a:cubicBezTo>
+                  <a:cubicBezTo>
+                    <a:pt x="106" y="0"/>
+                    <a:pt x="114" y="3"/>
+                    <a:pt x="119" y="8"/>
+                  </a:cubicBezTo>
+                  <a:cubicBezTo>
+                    <a:pt x="120" y="10"/>
+                    <a:pt x="121" y="11"/>
+                    <a:pt x="121" y="13"/>
+                  </a:cubicBezTo>
+                  <a:cubicBezTo>
+                    <a:pt x="121" y="61"/>
+                    <a:pt x="121" y="61"/>
+                    <a:pt x="121" y="61"/>
+                  </a:cubicBezTo>
+                  <a:cubicBezTo>
+                    <a:pt x="121" y="64"/>
+                    <a:pt x="118" y="67"/>
+                    <a:pt x="115" y="67"/>
+                  </a:cubicBezTo>
+                  <a:cubicBezTo>
+                    <a:pt x="112" y="67"/>
+                    <a:pt x="109" y="64"/>
+                    <a:pt x="109" y="61"/>
+                  </a:cubicBezTo>
+                  <a:cubicBezTo>
+                    <a:pt x="109" y="15"/>
+                    <a:pt x="109" y="15"/>
+                    <a:pt x="109" y="15"/>
+                  </a:cubicBezTo>
+                  <a:cubicBezTo>
+                    <a:pt x="102" y="10"/>
+                    <a:pt x="90" y="11"/>
+                    <a:pt x="84" y="16"/>
+                  </a:cubicBezTo>
+                  <a:cubicBezTo>
+                    <a:pt x="66" y="63"/>
+                    <a:pt x="66" y="63"/>
+                    <a:pt x="66" y="63"/>
+                  </a:cubicBezTo>
+                  <a:cubicBezTo>
+                    <a:pt x="66" y="64"/>
+                    <a:pt x="66" y="64"/>
+                    <a:pt x="65" y="65"/>
+                  </a:cubicBezTo>
+                  <a:cubicBezTo>
+                    <a:pt x="48" y="82"/>
+                    <a:pt x="48" y="82"/>
+                    <a:pt x="48" y="82"/>
+                  </a:cubicBezTo>
+                  <a:cubicBezTo>
+                    <a:pt x="12" y="165"/>
+                    <a:pt x="12" y="165"/>
+                    <a:pt x="12" y="165"/>
+                  </a:cubicBezTo>
+                  <a:cubicBezTo>
+                    <a:pt x="11" y="167"/>
+                    <a:pt x="9" y="169"/>
+                    <a:pt x="7" y="169"/>
+                  </a:cubicBezTo>
+                  <a:close/>
+                </a:path>
+              </a:pathLst>
+            </a:custGeom>
+            <a:solidFill>
+              <a:schemeClr val="accent1"/>
+            </a:solidFill>
+            <a:ln>
+              <a:noFill/>
+            </a:ln>
+          </p:spPr>
+          <p:txBody>
+            <a:bodyPr spcFirstLastPara="1" wrap="square" lIns="91400" tIns="45700" rIns="91400" bIns="45700" anchor="t" anchorCtr="0">
+              <a:noAutofit/>
+            </a:bodyPr>
+            <a:lstStyle/>
+            <a:p>
+              <a:pPr marL="0" marR="0" lvl="0" indent="0" algn="l" rtl="0">
+                <a:spcBef>
+                  <a:spcPts val="0"/>
+                </a:spcBef>
+                <a:spcAft>
+                  <a:spcPts val="0"/>
+                </a:spcAft>
+                <a:buNone/>
+              </a:pPr>
+              <a:endParaRPr sz="1800" b="0" i="0" u="none" strike="noStrike" cap="none">
+                <a:solidFill>
+                  <a:schemeClr val="dk1"/>
+                </a:solidFill>
+                <a:latin typeface="Gill Sans"/>
+                <a:ea typeface="Gill Sans"/>
+                <a:cs typeface="Gill Sans"/>
+                <a:sym typeface="Gill Sans"/>
+              </a:endParaRPr>
+            </a:p>
+          </p:txBody>
+        </p:sp>
+        <p:sp>
+          <p:nvSpPr>
+            <p:cNvPr id="195" name="Google Shape;195;p2"/>
+            <p:cNvSpPr/>
+            <p:nvPr/>
+          </p:nvSpPr>
+          <p:spPr>
+            <a:xfrm>
+              <a:off x="3669" y="653"/>
+              <a:ext cx="196" cy="196"/>
+            </a:xfrm>
+            <a:custGeom>
+              <a:avLst/>
+              <a:gdLst/>
+              <a:ahLst/>
+              <a:cxnLst/>
+              <a:rect l="l" t="t" r="r" b="b"/>
+              <a:pathLst>
+                <a:path w="132" h="132" extrusionOk="0">
+                  <a:moveTo>
+                    <a:pt x="66" y="132"/>
+                  </a:moveTo>
+                  <a:cubicBezTo>
+                    <a:pt x="29" y="132"/>
+                    <a:pt x="0" y="102"/>
+                    <a:pt x="0" y="66"/>
+                  </a:cubicBezTo>
+                  <a:cubicBezTo>
+                    <a:pt x="0" y="29"/>
+                    <a:pt x="29" y="0"/>
+                    <a:pt x="66" y="0"/>
+                  </a:cubicBezTo>
+                  <a:cubicBezTo>
+                    <a:pt x="102" y="0"/>
+                    <a:pt x="132" y="29"/>
+                    <a:pt x="132" y="66"/>
+                  </a:cubicBezTo>
+                  <a:cubicBezTo>
+                    <a:pt x="132" y="102"/>
+                    <a:pt x="102" y="132"/>
+                    <a:pt x="66" y="132"/>
+                  </a:cubicBezTo>
+                  <a:close/>
+                  <a:moveTo>
+                    <a:pt x="66" y="12"/>
+                  </a:moveTo>
+                  <a:cubicBezTo>
+                    <a:pt x="36" y="12"/>
+                    <a:pt x="12" y="36"/>
+                    <a:pt x="12" y="66"/>
+                  </a:cubicBezTo>
+                  <a:cubicBezTo>
+                    <a:pt x="12" y="95"/>
+                    <a:pt x="36" y="120"/>
+                    <a:pt x="66" y="120"/>
+                  </a:cubicBezTo>
+                  <a:cubicBezTo>
+                    <a:pt x="96" y="120"/>
+                    <a:pt x="120" y="95"/>
+                    <a:pt x="120" y="66"/>
+                  </a:cubicBezTo>
+                  <a:cubicBezTo>
+                    <a:pt x="120" y="36"/>
+                    <a:pt x="96" y="12"/>
+                    <a:pt x="66" y="12"/>
+                  </a:cubicBezTo>
+                  <a:close/>
+                </a:path>
+              </a:pathLst>
+            </a:custGeom>
+            <a:solidFill>
+              <a:schemeClr val="accent1"/>
+            </a:solidFill>
+            <a:ln>
+              <a:noFill/>
+            </a:ln>
+          </p:spPr>
+          <p:txBody>
+            <a:bodyPr spcFirstLastPara="1" wrap="square" lIns="91400" tIns="45700" rIns="91400" bIns="45700" anchor="t" anchorCtr="0">
+              <a:noAutofit/>
+            </a:bodyPr>
+            <a:lstStyle/>
+            <a:p>
+              <a:pPr marL="0" marR="0" lvl="0" indent="0" algn="l" rtl="0">
+                <a:spcBef>
+                  <a:spcPts val="0"/>
+                </a:spcBef>
+                <a:spcAft>
+                  <a:spcPts val="0"/>
+                </a:spcAft>
+                <a:buNone/>
+              </a:pPr>
+              <a:endParaRPr sz="1800" b="0" i="0" u="none" strike="noStrike" cap="none">
+                <a:solidFill>
+                  <a:schemeClr val="dk1"/>
+                </a:solidFill>
+                <a:latin typeface="Gill Sans"/>
+                <a:ea typeface="Gill Sans"/>
+                <a:cs typeface="Gill Sans"/>
+                <a:sym typeface="Gill Sans"/>
+              </a:endParaRPr>
+            </a:p>
+          </p:txBody>
+        </p:sp>
+        <p:sp>
+          <p:nvSpPr>
+            <p:cNvPr id="196" name="Google Shape;196;p2"/>
+            <p:cNvSpPr/>
+            <p:nvPr/>
+          </p:nvSpPr>
+          <p:spPr>
+            <a:xfrm>
+              <a:off x="3669" y="454"/>
+              <a:ext cx="179" cy="253"/>
+            </a:xfrm>
+            <a:custGeom>
+              <a:avLst/>
+              <a:gdLst/>
+              <a:ahLst/>
+              <a:cxnLst/>
+              <a:rect l="l" t="t" r="r" b="b"/>
+              <a:pathLst>
+                <a:path w="121" h="171" extrusionOk="0">
+                  <a:moveTo>
+                    <a:pt x="114" y="171"/>
+                  </a:moveTo>
+                  <a:cubicBezTo>
+                    <a:pt x="112" y="171"/>
+                    <a:pt x="109" y="169"/>
+                    <a:pt x="108" y="167"/>
+                  </a:cubicBezTo>
+                  <a:cubicBezTo>
+                    <a:pt x="73" y="84"/>
+                    <a:pt x="73" y="84"/>
+                    <a:pt x="73" y="84"/>
+                  </a:cubicBezTo>
+                  <a:cubicBezTo>
+                    <a:pt x="56" y="67"/>
+                    <a:pt x="56" y="67"/>
+                    <a:pt x="56" y="67"/>
+                  </a:cubicBezTo>
+                  <a:cubicBezTo>
+                    <a:pt x="55" y="66"/>
+                    <a:pt x="55" y="66"/>
+                    <a:pt x="54" y="65"/>
+                  </a:cubicBezTo>
+                  <a:cubicBezTo>
+                    <a:pt x="37" y="19"/>
+                    <a:pt x="37" y="19"/>
+                    <a:pt x="37" y="19"/>
+                  </a:cubicBezTo>
+                  <a:cubicBezTo>
+                    <a:pt x="30" y="13"/>
+                    <a:pt x="19" y="13"/>
+                    <a:pt x="12" y="18"/>
+                  </a:cubicBezTo>
+                  <a:cubicBezTo>
+                    <a:pt x="12" y="63"/>
+                    <a:pt x="12" y="63"/>
+                    <a:pt x="12" y="63"/>
+                  </a:cubicBezTo>
+                  <a:cubicBezTo>
+                    <a:pt x="12" y="66"/>
+                    <a:pt x="9" y="69"/>
+                    <a:pt x="6" y="69"/>
+                  </a:cubicBezTo>
+                  <a:cubicBezTo>
+                    <a:pt x="3" y="69"/>
+                    <a:pt x="0" y="66"/>
+                    <a:pt x="0" y="63"/>
+                  </a:cubicBezTo>
+                  <a:cubicBezTo>
+                    <a:pt x="0" y="15"/>
+                    <a:pt x="0" y="15"/>
+                    <a:pt x="0" y="15"/>
+                  </a:cubicBezTo>
+                  <a:cubicBezTo>
+                    <a:pt x="0" y="14"/>
+                    <a:pt x="0" y="12"/>
+                    <a:pt x="2" y="11"/>
+                  </a:cubicBezTo>
+                  <a:cubicBezTo>
+                    <a:pt x="13" y="0"/>
+                    <a:pt x="35" y="0"/>
+                    <a:pt x="46" y="11"/>
+                  </a:cubicBezTo>
+                  <a:cubicBezTo>
+                    <a:pt x="47" y="12"/>
+                    <a:pt x="47" y="12"/>
+                    <a:pt x="47" y="13"/>
+                  </a:cubicBezTo>
+                  <a:cubicBezTo>
+                    <a:pt x="65" y="59"/>
+                    <a:pt x="65" y="59"/>
+                    <a:pt x="65" y="59"/>
+                  </a:cubicBezTo>
+                  <a:cubicBezTo>
+                    <a:pt x="82" y="76"/>
+                    <a:pt x="82" y="76"/>
+                    <a:pt x="82" y="76"/>
+                  </a:cubicBezTo>
+                  <a:cubicBezTo>
+                    <a:pt x="83" y="77"/>
+                    <a:pt x="83" y="78"/>
+                    <a:pt x="83" y="78"/>
+                  </a:cubicBezTo>
+                  <a:cubicBezTo>
+                    <a:pt x="119" y="162"/>
+                    <a:pt x="119" y="162"/>
+                    <a:pt x="119" y="162"/>
+                  </a:cubicBezTo>
+                  <a:cubicBezTo>
+                    <a:pt x="121" y="165"/>
+                    <a:pt x="119" y="169"/>
+                    <a:pt x="116" y="170"/>
+                  </a:cubicBezTo>
+                  <a:cubicBezTo>
+                    <a:pt x="115" y="170"/>
+                    <a:pt x="115" y="171"/>
+                    <a:pt x="114" y="171"/>
+                  </a:cubicBezTo>
+                  <a:close/>
+                </a:path>
+              </a:pathLst>
+            </a:custGeom>
+            <a:solidFill>
+              <a:schemeClr val="accent1"/>
+            </a:solidFill>
+            <a:ln>
+              <a:noFill/>
+            </a:ln>
+          </p:spPr>
+          <p:txBody>
+            <a:bodyPr spcFirstLastPara="1" wrap="square" lIns="91400" tIns="45700" rIns="91400" bIns="45700" anchor="t" anchorCtr="0">
+              <a:noAutofit/>
+            </a:bodyPr>
+            <a:lstStyle/>
+            <a:p>
+              <a:pPr marL="0" marR="0" lvl="0" indent="0" algn="l" rtl="0">
+                <a:spcBef>
+                  <a:spcPts val="0"/>
+                </a:spcBef>
+                <a:spcAft>
+                  <a:spcPts val="0"/>
+                </a:spcAft>
+                <a:buNone/>
+              </a:pPr>
+              <a:endParaRPr sz="1800" b="0" i="0" u="none" strike="noStrike" cap="none">
+                <a:solidFill>
+                  <a:schemeClr val="dk1"/>
+                </a:solidFill>
+                <a:latin typeface="Gill Sans"/>
+                <a:ea typeface="Gill Sans"/>
+                <a:cs typeface="Gill Sans"/>
+                <a:sym typeface="Gill Sans"/>
+              </a:endParaRPr>
+            </a:p>
+          </p:txBody>
+        </p:sp>
+        <p:sp>
+          <p:nvSpPr>
+            <p:cNvPr id="197" name="Google Shape;197;p2"/>
+            <p:cNvSpPr/>
+            <p:nvPr/>
+          </p:nvSpPr>
+          <p:spPr>
+            <a:xfrm>
+              <a:off x="3572" y="574"/>
+              <a:ext cx="159" cy="53"/>
+            </a:xfrm>
+            <a:custGeom>
+              <a:avLst/>
+              <a:gdLst/>
+              <a:ahLst/>
+              <a:cxnLst/>
+              <a:rect l="l" t="t" r="r" b="b"/>
+              <a:pathLst>
+                <a:path w="108" h="36" extrusionOk="0">
+                  <a:moveTo>
+                    <a:pt x="102" y="36"/>
+                  </a:moveTo>
+                  <a:cubicBezTo>
+                    <a:pt x="99" y="36"/>
+                    <a:pt x="96" y="33"/>
+                    <a:pt x="96" y="30"/>
+                  </a:cubicBezTo>
+                  <a:cubicBezTo>
+                    <a:pt x="96" y="21"/>
+                    <a:pt x="78" y="12"/>
+                    <a:pt x="54" y="12"/>
+                  </a:cubicBezTo>
+                  <a:cubicBezTo>
+                    <a:pt x="30" y="12"/>
+                    <a:pt x="12" y="21"/>
+                    <a:pt x="12" y="30"/>
+                  </a:cubicBezTo>
+                  <a:cubicBezTo>
+                    <a:pt x="12" y="33"/>
+                    <a:pt x="9" y="36"/>
+                    <a:pt x="6" y="36"/>
+                  </a:cubicBezTo>
+                  <a:cubicBezTo>
+                    <a:pt x="3" y="36"/>
+                    <a:pt x="0" y="33"/>
+                    <a:pt x="0" y="30"/>
+                  </a:cubicBezTo>
+                  <a:cubicBezTo>
+                    <a:pt x="0" y="13"/>
+                    <a:pt x="23" y="0"/>
+                    <a:pt x="54" y="0"/>
+                  </a:cubicBezTo>
+                  <a:cubicBezTo>
+                    <a:pt x="85" y="0"/>
+                    <a:pt x="108" y="13"/>
+                    <a:pt x="108" y="30"/>
+                  </a:cubicBezTo>
+                  <a:cubicBezTo>
+                    <a:pt x="108" y="33"/>
+                    <a:pt x="105" y="36"/>
+                    <a:pt x="102" y="36"/>
+                  </a:cubicBezTo>
+                  <a:close/>
+                </a:path>
+              </a:pathLst>
+            </a:custGeom>
+            <a:solidFill>
+              <a:schemeClr val="accent1"/>
+            </a:solidFill>
+            <a:ln>
+              <a:noFill/>
+            </a:ln>
+          </p:spPr>
+          <p:txBody>
+            <a:bodyPr spcFirstLastPara="1" wrap="square" lIns="91400" tIns="45700" rIns="91400" bIns="45700" anchor="t" anchorCtr="0">
+              <a:noAutofit/>
+            </a:bodyPr>
+            <a:lstStyle/>
+            <a:p>
+              <a:pPr marL="0" marR="0" lvl="0" indent="0" algn="l" rtl="0">
+                <a:spcBef>
+                  <a:spcPts val="0"/>
+                </a:spcBef>
+                <a:spcAft>
+                  <a:spcPts val="0"/>
+                </a:spcAft>
+                <a:buNone/>
+              </a:pPr>
+              <a:endParaRPr sz="1800" b="0" i="0" u="none" strike="noStrike" cap="none">
+                <a:solidFill>
+                  <a:schemeClr val="dk1"/>
+                </a:solidFill>
+                <a:latin typeface="Gill Sans"/>
+                <a:ea typeface="Gill Sans"/>
+                <a:cs typeface="Gill Sans"/>
+                <a:sym typeface="Gill Sans"/>
+              </a:endParaRPr>
+            </a:p>
+          </p:txBody>
+        </p:sp>
+        <p:sp>
+          <p:nvSpPr>
+            <p:cNvPr id="198" name="Google Shape;198;p2"/>
+            <p:cNvSpPr/>
+            <p:nvPr/>
+          </p:nvSpPr>
+          <p:spPr>
+            <a:xfrm>
+              <a:off x="3616" y="575"/>
+              <a:ext cx="18" cy="185"/>
+            </a:xfrm>
+            <a:custGeom>
+              <a:avLst/>
+              <a:gdLst/>
+              <a:ahLst/>
+              <a:cxnLst/>
+              <a:rect l="l" t="t" r="r" b="b"/>
+              <a:pathLst>
+                <a:path w="12" h="125" extrusionOk="0">
+                  <a:moveTo>
+                    <a:pt x="6" y="125"/>
+                  </a:moveTo>
+                  <a:cubicBezTo>
+                    <a:pt x="3" y="125"/>
+                    <a:pt x="0" y="122"/>
+                    <a:pt x="0" y="119"/>
+                  </a:cubicBezTo>
+                  <a:cubicBezTo>
+                    <a:pt x="0" y="6"/>
+                    <a:pt x="0" y="6"/>
+                    <a:pt x="0" y="6"/>
+                  </a:cubicBezTo>
+                  <a:cubicBezTo>
+                    <a:pt x="0" y="3"/>
+                    <a:pt x="3" y="0"/>
+                    <a:pt x="6" y="0"/>
+                  </a:cubicBezTo>
+                  <a:cubicBezTo>
+                    <a:pt x="9" y="0"/>
+                    <a:pt x="12" y="3"/>
+                    <a:pt x="12" y="6"/>
+                  </a:cubicBezTo>
+                  <a:cubicBezTo>
+                    <a:pt x="12" y="119"/>
+                    <a:pt x="12" y="119"/>
+                    <a:pt x="12" y="119"/>
+                  </a:cubicBezTo>
+                  <a:cubicBezTo>
+                    <a:pt x="12" y="122"/>
+                    <a:pt x="9" y="125"/>
+                    <a:pt x="6" y="125"/>
+                  </a:cubicBezTo>
+                  <a:close/>
+                </a:path>
+              </a:pathLst>
+            </a:custGeom>
+            <a:solidFill>
+              <a:schemeClr val="accent1"/>
+            </a:solidFill>
+            <a:ln>
+              <a:noFill/>
+            </a:ln>
+          </p:spPr>
+          <p:txBody>
+            <a:bodyPr spcFirstLastPara="1" wrap="square" lIns="91400" tIns="45700" rIns="91400" bIns="45700" anchor="t" anchorCtr="0">
+              <a:noAutofit/>
+            </a:bodyPr>
+            <a:lstStyle/>
+            <a:p>
+              <a:pPr marL="0" marR="0" lvl="0" indent="0" algn="l" rtl="0">
+                <a:spcBef>
+                  <a:spcPts val="0"/>
+                </a:spcBef>
+                <a:spcAft>
+                  <a:spcPts val="0"/>
+                </a:spcAft>
+                <a:buNone/>
+              </a:pPr>
+              <a:endParaRPr sz="1800" b="0" i="0" u="none" strike="noStrike" cap="none">
+                <a:solidFill>
+                  <a:schemeClr val="dk1"/>
+                </a:solidFill>
+                <a:latin typeface="Gill Sans"/>
+                <a:ea typeface="Gill Sans"/>
+                <a:cs typeface="Gill Sans"/>
+                <a:sym typeface="Gill Sans"/>
+              </a:endParaRPr>
+            </a:p>
+          </p:txBody>
+        </p:sp>
+        <p:sp>
+          <p:nvSpPr>
+            <p:cNvPr id="199" name="Google Shape;199;p2"/>
+            <p:cNvSpPr/>
+            <p:nvPr/>
+          </p:nvSpPr>
+          <p:spPr>
+            <a:xfrm>
+              <a:off x="3669" y="575"/>
+              <a:ext cx="18" cy="185"/>
+            </a:xfrm>
+            <a:custGeom>
+              <a:avLst/>
+              <a:gdLst/>
+              <a:ahLst/>
+              <a:cxnLst/>
+              <a:rect l="l" t="t" r="r" b="b"/>
+              <a:pathLst>
+                <a:path w="12" h="125" extrusionOk="0">
+                  <a:moveTo>
+                    <a:pt x="6" y="125"/>
+                  </a:moveTo>
+                  <a:cubicBezTo>
+                    <a:pt x="3" y="125"/>
+                    <a:pt x="0" y="122"/>
+                    <a:pt x="0" y="119"/>
+                  </a:cubicBezTo>
+                  <a:cubicBezTo>
+                    <a:pt x="0" y="6"/>
+                    <a:pt x="0" y="6"/>
+                    <a:pt x="0" y="6"/>
+                  </a:cubicBezTo>
+                  <a:cubicBezTo>
+                    <a:pt x="0" y="3"/>
+                    <a:pt x="3" y="0"/>
+                    <a:pt x="6" y="0"/>
+                  </a:cubicBezTo>
+                  <a:cubicBezTo>
+                    <a:pt x="9" y="0"/>
+                    <a:pt x="12" y="3"/>
+                    <a:pt x="12" y="6"/>
+                  </a:cubicBezTo>
+                  <a:cubicBezTo>
+                    <a:pt x="12" y="119"/>
+                    <a:pt x="12" y="119"/>
+                    <a:pt x="12" y="119"/>
+                  </a:cubicBezTo>
+                  <a:cubicBezTo>
+                    <a:pt x="12" y="122"/>
+                    <a:pt x="9" y="125"/>
+                    <a:pt x="6" y="125"/>
+                  </a:cubicBezTo>
+                  <a:close/>
+                </a:path>
+              </a:pathLst>
+            </a:custGeom>
+            <a:solidFill>
+              <a:schemeClr val="accent1"/>
+            </a:solidFill>
+            <a:ln>
+              <a:noFill/>
+            </a:ln>
+          </p:spPr>
+          <p:txBody>
+            <a:bodyPr spcFirstLastPara="1" wrap="square" lIns="91400" tIns="45700" rIns="91400" bIns="45700" anchor="t" anchorCtr="0">
+              <a:noAutofit/>
+            </a:bodyPr>
+            <a:lstStyle/>
+            <a:p>
+              <a:pPr marL="0" marR="0" lvl="0" indent="0" algn="l" rtl="0">
+                <a:spcBef>
+                  <a:spcPts val="0"/>
+                </a:spcBef>
+                <a:spcAft>
+                  <a:spcPts val="0"/>
+                </a:spcAft>
+                <a:buNone/>
+              </a:pPr>
+              <a:endParaRPr sz="1800" b="0" i="0" u="none" strike="noStrike" cap="none">
+                <a:solidFill>
+                  <a:schemeClr val="dk1"/>
+                </a:solidFill>
+                <a:latin typeface="Gill Sans"/>
+                <a:ea typeface="Gill Sans"/>
+                <a:cs typeface="Gill Sans"/>
+                <a:sym typeface="Gill Sans"/>
+              </a:endParaRPr>
+            </a:p>
+          </p:txBody>
+        </p:sp>
+        <p:sp>
+          <p:nvSpPr>
+            <p:cNvPr id="200" name="Google Shape;200;p2"/>
+            <p:cNvSpPr/>
+            <p:nvPr/>
+          </p:nvSpPr>
+          <p:spPr>
+            <a:xfrm>
+              <a:off x="3474" y="689"/>
+              <a:ext cx="71" cy="71"/>
+            </a:xfrm>
+            <a:custGeom>
+              <a:avLst/>
+              <a:gdLst/>
+              <a:ahLst/>
+              <a:cxnLst/>
+              <a:rect l="l" t="t" r="r" b="b"/>
+              <a:pathLst>
+                <a:path w="48" h="48" extrusionOk="0">
+                  <a:moveTo>
+                    <a:pt x="6" y="48"/>
+                  </a:moveTo>
+                  <a:cubicBezTo>
+                    <a:pt x="3" y="48"/>
+                    <a:pt x="0" y="45"/>
+                    <a:pt x="0" y="42"/>
+                  </a:cubicBezTo>
+                  <a:cubicBezTo>
+                    <a:pt x="0" y="18"/>
+                    <a:pt x="19" y="0"/>
+                    <a:pt x="42" y="0"/>
+                  </a:cubicBezTo>
+                  <a:cubicBezTo>
+                    <a:pt x="45" y="0"/>
+                    <a:pt x="48" y="2"/>
+                    <a:pt x="48" y="6"/>
+                  </a:cubicBezTo>
+                  <a:cubicBezTo>
+                    <a:pt x="48" y="9"/>
+                    <a:pt x="45" y="12"/>
+                    <a:pt x="42" y="12"/>
+                  </a:cubicBezTo>
+                  <a:cubicBezTo>
+                    <a:pt x="25" y="12"/>
+                    <a:pt x="12" y="25"/>
+                    <a:pt x="12" y="42"/>
+                  </a:cubicBezTo>
+                  <a:cubicBezTo>
+                    <a:pt x="12" y="45"/>
+                    <a:pt x="9" y="48"/>
+                    <a:pt x="6" y="48"/>
+                  </a:cubicBezTo>
+                  <a:close/>
+                </a:path>
+              </a:pathLst>
+            </a:custGeom>
+            <a:solidFill>
+              <a:schemeClr val="accent1"/>
+            </a:solidFill>
+            <a:ln>
+              <a:noFill/>
+            </a:ln>
+          </p:spPr>
+          <p:txBody>
+            <a:bodyPr spcFirstLastPara="1" wrap="square" lIns="91400" tIns="45700" rIns="91400" bIns="45700" anchor="t" anchorCtr="0">
+              <a:noAutofit/>
+            </a:bodyPr>
+            <a:lstStyle/>
+            <a:p>
+              <a:pPr marL="0" marR="0" lvl="0" indent="0" algn="l" rtl="0">
+                <a:spcBef>
+                  <a:spcPts val="0"/>
+                </a:spcBef>
+                <a:spcAft>
+                  <a:spcPts val="0"/>
+                </a:spcAft>
+                <a:buNone/>
+              </a:pPr>
+              <a:endParaRPr sz="1800" b="0" i="0" u="none" strike="noStrike" cap="none">
+                <a:solidFill>
+                  <a:schemeClr val="dk1"/>
+                </a:solidFill>
+                <a:latin typeface="Gill Sans"/>
+                <a:ea typeface="Gill Sans"/>
+                <a:cs typeface="Gill Sans"/>
+                <a:sym typeface="Gill Sans"/>
+              </a:endParaRPr>
+            </a:p>
+          </p:txBody>
+        </p:sp>
+        <p:sp>
+          <p:nvSpPr>
+            <p:cNvPr id="201" name="Google Shape;201;p2"/>
+            <p:cNvSpPr/>
+            <p:nvPr/>
+          </p:nvSpPr>
+          <p:spPr>
+            <a:xfrm>
+              <a:off x="3705" y="689"/>
+              <a:ext cx="71" cy="71"/>
+            </a:xfrm>
+            <a:custGeom>
+              <a:avLst/>
+              <a:gdLst/>
+              <a:ahLst/>
+              <a:cxnLst/>
+              <a:rect l="l" t="t" r="r" b="b"/>
+              <a:pathLst>
+                <a:path w="48" h="48" extrusionOk="0">
+                  <a:moveTo>
+                    <a:pt x="6" y="48"/>
+                  </a:moveTo>
+                  <a:cubicBezTo>
+                    <a:pt x="3" y="48"/>
+                    <a:pt x="0" y="45"/>
+                    <a:pt x="0" y="42"/>
+                  </a:cubicBezTo>
+                  <a:cubicBezTo>
+                    <a:pt x="0" y="18"/>
+                    <a:pt x="19" y="0"/>
+                    <a:pt x="42" y="0"/>
+                  </a:cubicBezTo>
+                  <a:cubicBezTo>
+                    <a:pt x="45" y="0"/>
+                    <a:pt x="48" y="2"/>
+                    <a:pt x="48" y="6"/>
+                  </a:cubicBezTo>
+                  <a:cubicBezTo>
+                    <a:pt x="48" y="9"/>
+                    <a:pt x="45" y="12"/>
+                    <a:pt x="42" y="12"/>
+                  </a:cubicBezTo>
+                  <a:cubicBezTo>
+                    <a:pt x="25" y="12"/>
+                    <a:pt x="12" y="25"/>
+                    <a:pt x="12" y="42"/>
+                  </a:cubicBezTo>
+                  <a:cubicBezTo>
+                    <a:pt x="12" y="45"/>
+                    <a:pt x="9" y="48"/>
+                    <a:pt x="6" y="48"/>
+                  </a:cubicBezTo>
+                  <a:close/>
+                </a:path>
+              </a:pathLst>
+            </a:custGeom>
+            <a:solidFill>
+              <a:schemeClr val="accent1"/>
+            </a:solidFill>
+            <a:ln>
+              <a:noFill/>
+            </a:ln>
+          </p:spPr>
+          <p:txBody>
+            <a:bodyPr spcFirstLastPara="1" wrap="square" lIns="91400" tIns="45700" rIns="91400" bIns="45700" anchor="t" anchorCtr="0">
+              <a:noAutofit/>
+            </a:bodyPr>
+            <a:lstStyle/>
+            <a:p>
+              <a:pPr marL="0" marR="0" lvl="0" indent="0" algn="l" rtl="0">
+                <a:spcBef>
+                  <a:spcPts val="0"/>
+                </a:spcBef>
+                <a:spcAft>
+                  <a:spcPts val="0"/>
+                </a:spcAft>
+                <a:buNone/>
+              </a:pPr>
+              <a:endParaRPr sz="1800" b="0" i="0" u="none" strike="noStrike" cap="none">
+                <a:solidFill>
+                  <a:schemeClr val="dk1"/>
+                </a:solidFill>
+                <a:latin typeface="Gill Sans"/>
+                <a:ea typeface="Gill Sans"/>
+                <a:cs typeface="Gill Sans"/>
+                <a:sym typeface="Gill Sans"/>
+              </a:endParaRPr>
+            </a:p>
+          </p:txBody>
+        </p:sp>
+      </p:grpSp>
+      <p:grpSp>
+        <p:nvGrpSpPr>
+          <p:cNvPr id="202" name="Google Shape;202;p2" descr="icono de gráfico de tendencia ascendente"/>
+          <p:cNvGrpSpPr/>
+          <p:nvPr/>
+        </p:nvGrpSpPr>
+        <p:grpSpPr>
+          <a:xfrm>
+            <a:off x="2401177" y="2483274"/>
+            <a:ext cx="594983" cy="581018"/>
+            <a:chOff x="6726" y="600"/>
+            <a:chExt cx="426" cy="416"/>
+          </a:xfrm>
+        </p:grpSpPr>
+        <p:sp>
+          <p:nvSpPr>
+            <p:cNvPr id="203" name="Google Shape;203;p2"/>
+            <p:cNvSpPr/>
+            <p:nvPr/>
+          </p:nvSpPr>
+          <p:spPr>
+            <a:xfrm>
+              <a:off x="6726" y="999"/>
+              <a:ext cx="426" cy="17"/>
+            </a:xfrm>
+            <a:custGeom>
+              <a:avLst/>
+              <a:gdLst/>
+              <a:ahLst/>
+              <a:cxnLst/>
+              <a:rect l="l" t="t" r="r" b="b"/>
+              <a:pathLst>
+                <a:path w="288" h="12" extrusionOk="0">
+                  <a:moveTo>
+                    <a:pt x="282" y="12"/>
+                  </a:moveTo>
+                  <a:cubicBezTo>
+                    <a:pt x="6" y="12"/>
+                    <a:pt x="6" y="12"/>
+                    <a:pt x="6" y="12"/>
+                  </a:cubicBezTo>
+                  <a:cubicBezTo>
+                    <a:pt x="2" y="12"/>
+                    <a:pt x="0" y="10"/>
+                    <a:pt x="0" y="6"/>
+                  </a:cubicBezTo>
+                  <a:cubicBezTo>
+                    <a:pt x="0" y="3"/>
+                    <a:pt x="2" y="0"/>
+                    <a:pt x="6" y="0"/>
+                  </a:cubicBezTo>
+                  <a:cubicBezTo>
+                    <a:pt x="282" y="0"/>
+                    <a:pt x="282" y="0"/>
+                    <a:pt x="282" y="0"/>
+                  </a:cubicBezTo>
+                  <a:cubicBezTo>
+                    <a:pt x="285" y="0"/>
+                    <a:pt x="288" y="3"/>
+                    <a:pt x="288" y="6"/>
+                  </a:cubicBezTo>
+                  <a:cubicBezTo>
+                    <a:pt x="288" y="10"/>
+                    <a:pt x="285" y="12"/>
+                    <a:pt x="282" y="12"/>
+                  </a:cubicBezTo>
+                  <a:close/>
+                </a:path>
+              </a:pathLst>
+            </a:custGeom>
+            <a:solidFill>
+              <a:schemeClr val="accent1"/>
+            </a:solidFill>
+            <a:ln>
+              <a:noFill/>
+            </a:ln>
+          </p:spPr>
+          <p:txBody>
+            <a:bodyPr spcFirstLastPara="1" wrap="square" lIns="91400" tIns="45700" rIns="91400" bIns="45700" anchor="t" anchorCtr="0">
+              <a:noAutofit/>
+            </a:bodyPr>
+            <a:lstStyle/>
+            <a:p>
+              <a:pPr marL="0" marR="0" lvl="0" indent="0" algn="l" rtl="0">
+                <a:spcBef>
+                  <a:spcPts val="0"/>
+                </a:spcBef>
+                <a:spcAft>
+                  <a:spcPts val="0"/>
+                </a:spcAft>
+                <a:buNone/>
+              </a:pPr>
+              <a:endParaRPr sz="1800" b="0" i="0" u="none" strike="noStrike" cap="none">
+                <a:solidFill>
+                  <a:schemeClr val="dk1"/>
+                </a:solidFill>
+                <a:latin typeface="Gill Sans"/>
+                <a:ea typeface="Gill Sans"/>
+                <a:cs typeface="Gill Sans"/>
+                <a:sym typeface="Gill Sans"/>
+              </a:endParaRPr>
+            </a:p>
+          </p:txBody>
+        </p:sp>
+        <p:sp>
+          <p:nvSpPr>
+            <p:cNvPr id="204" name="Google Shape;204;p2"/>
+            <p:cNvSpPr/>
+            <p:nvPr/>
+          </p:nvSpPr>
+          <p:spPr>
+            <a:xfrm>
+              <a:off x="6744" y="912"/>
+              <a:ext cx="71" cy="104"/>
+            </a:xfrm>
+            <a:custGeom>
+              <a:avLst/>
+              <a:gdLst/>
+              <a:ahLst/>
+              <a:cxnLst/>
+              <a:rect l="l" t="t" r="r" b="b"/>
+              <a:pathLst>
+                <a:path w="48" h="72" extrusionOk="0">
+                  <a:moveTo>
+                    <a:pt x="42" y="72"/>
+                  </a:moveTo>
+                  <a:cubicBezTo>
+                    <a:pt x="6" y="72"/>
+                    <a:pt x="6" y="72"/>
+                    <a:pt x="6" y="72"/>
+                  </a:cubicBezTo>
+                  <a:cubicBezTo>
+                    <a:pt x="2" y="72"/>
+                    <a:pt x="0" y="70"/>
+                    <a:pt x="0" y="66"/>
+                  </a:cubicBezTo>
+                  <a:cubicBezTo>
+                    <a:pt x="0" y="6"/>
+                    <a:pt x="0" y="6"/>
+                    <a:pt x="0" y="6"/>
+                  </a:cubicBezTo>
+                  <a:cubicBezTo>
+                    <a:pt x="0" y="3"/>
+                    <a:pt x="2" y="0"/>
+                    <a:pt x="6" y="0"/>
+                  </a:cubicBezTo>
+                  <a:cubicBezTo>
+                    <a:pt x="42" y="0"/>
+                    <a:pt x="42" y="0"/>
+                    <a:pt x="42" y="0"/>
+                  </a:cubicBezTo>
+                  <a:cubicBezTo>
+                    <a:pt x="45" y="0"/>
+                    <a:pt x="48" y="3"/>
+                    <a:pt x="48" y="6"/>
+                  </a:cubicBezTo>
+                  <a:cubicBezTo>
+                    <a:pt x="48" y="66"/>
+                    <a:pt x="48" y="66"/>
+                    <a:pt x="48" y="66"/>
+                  </a:cubicBezTo>
+                  <a:cubicBezTo>
+                    <a:pt x="48" y="70"/>
+                    <a:pt x="45" y="72"/>
+                    <a:pt x="42" y="72"/>
+                  </a:cubicBezTo>
+                  <a:close/>
+                  <a:moveTo>
+                    <a:pt x="12" y="60"/>
+                  </a:moveTo>
+                  <a:cubicBezTo>
+                    <a:pt x="36" y="60"/>
+                    <a:pt x="36" y="60"/>
+                    <a:pt x="36" y="60"/>
+                  </a:cubicBezTo>
+                  <a:cubicBezTo>
+                    <a:pt x="36" y="12"/>
+                    <a:pt x="36" y="12"/>
+                    <a:pt x="36" y="12"/>
+                  </a:cubicBezTo>
+                  <a:cubicBezTo>
+                    <a:pt x="12" y="12"/>
+                    <a:pt x="12" y="12"/>
+                    <a:pt x="12" y="12"/>
+                  </a:cubicBezTo>
+                  <a:lnTo>
+                    <a:pt x="12" y="60"/>
+                  </a:lnTo>
+                  <a:close/>
+                </a:path>
+              </a:pathLst>
+            </a:custGeom>
+            <a:solidFill>
+              <a:schemeClr val="accent1"/>
+            </a:solidFill>
+            <a:ln>
+              <a:noFill/>
+            </a:ln>
+          </p:spPr>
+          <p:txBody>
+            <a:bodyPr spcFirstLastPara="1" wrap="square" lIns="91400" tIns="45700" rIns="91400" bIns="45700" anchor="t" anchorCtr="0">
+              <a:noAutofit/>
+            </a:bodyPr>
+            <a:lstStyle/>
+            <a:p>
+              <a:pPr marL="0" marR="0" lvl="0" indent="0" algn="l" rtl="0">
+                <a:spcBef>
+                  <a:spcPts val="0"/>
+                </a:spcBef>
+                <a:spcAft>
+                  <a:spcPts val="0"/>
+                </a:spcAft>
+                <a:buNone/>
+              </a:pPr>
+              <a:endParaRPr sz="1800" b="0" i="0" u="none" strike="noStrike" cap="none">
+                <a:solidFill>
+                  <a:schemeClr val="dk1"/>
+                </a:solidFill>
+                <a:latin typeface="Gill Sans"/>
+                <a:ea typeface="Gill Sans"/>
+                <a:cs typeface="Gill Sans"/>
+                <a:sym typeface="Gill Sans"/>
+              </a:endParaRPr>
+            </a:p>
+          </p:txBody>
+        </p:sp>
+        <p:sp>
+          <p:nvSpPr>
+            <p:cNvPr id="205" name="Google Shape;205;p2"/>
+            <p:cNvSpPr/>
+            <p:nvPr/>
+          </p:nvSpPr>
+          <p:spPr>
+            <a:xfrm>
+              <a:off x="6850" y="826"/>
+              <a:ext cx="71" cy="190"/>
+            </a:xfrm>
+            <a:custGeom>
+              <a:avLst/>
+              <a:gdLst/>
+              <a:ahLst/>
+              <a:cxnLst/>
+              <a:rect l="l" t="t" r="r" b="b"/>
+              <a:pathLst>
+                <a:path w="48" h="132" extrusionOk="0">
+                  <a:moveTo>
+                    <a:pt x="42" y="132"/>
+                  </a:moveTo>
+                  <a:cubicBezTo>
+                    <a:pt x="6" y="132"/>
+                    <a:pt x="6" y="132"/>
+                    <a:pt x="6" y="132"/>
+                  </a:cubicBezTo>
+                  <a:cubicBezTo>
+                    <a:pt x="2" y="132"/>
+                    <a:pt x="0" y="130"/>
+                    <a:pt x="0" y="126"/>
+                  </a:cubicBezTo>
+                  <a:cubicBezTo>
+                    <a:pt x="0" y="6"/>
+                    <a:pt x="0" y="6"/>
+                    <a:pt x="0" y="6"/>
+                  </a:cubicBezTo>
+                  <a:cubicBezTo>
+                    <a:pt x="0" y="3"/>
+                    <a:pt x="2" y="0"/>
+                    <a:pt x="6" y="0"/>
+                  </a:cubicBezTo>
+                  <a:cubicBezTo>
+                    <a:pt x="42" y="0"/>
+                    <a:pt x="42" y="0"/>
+                    <a:pt x="42" y="0"/>
+                  </a:cubicBezTo>
+                  <a:cubicBezTo>
+                    <a:pt x="45" y="0"/>
+                    <a:pt x="48" y="3"/>
+                    <a:pt x="48" y="6"/>
+                  </a:cubicBezTo>
+                  <a:cubicBezTo>
+                    <a:pt x="48" y="126"/>
+                    <a:pt x="48" y="126"/>
+                    <a:pt x="48" y="126"/>
+                  </a:cubicBezTo>
+                  <a:cubicBezTo>
+                    <a:pt x="48" y="130"/>
+                    <a:pt x="45" y="132"/>
+                    <a:pt x="42" y="132"/>
+                  </a:cubicBezTo>
+                  <a:close/>
+                  <a:moveTo>
+                    <a:pt x="12" y="120"/>
+                  </a:moveTo>
+                  <a:cubicBezTo>
+                    <a:pt x="36" y="120"/>
+                    <a:pt x="36" y="120"/>
+                    <a:pt x="36" y="120"/>
+                  </a:cubicBezTo>
+                  <a:cubicBezTo>
+                    <a:pt x="36" y="12"/>
+                    <a:pt x="36" y="12"/>
+                    <a:pt x="36" y="12"/>
+                  </a:cubicBezTo>
+                  <a:cubicBezTo>
+                    <a:pt x="12" y="12"/>
+                    <a:pt x="12" y="12"/>
+                    <a:pt x="12" y="12"/>
+                  </a:cubicBezTo>
+                  <a:lnTo>
+                    <a:pt x="12" y="120"/>
+                  </a:lnTo>
+                  <a:close/>
+                </a:path>
+              </a:pathLst>
+            </a:custGeom>
+            <a:solidFill>
+              <a:schemeClr val="accent1"/>
+            </a:solidFill>
+            <a:ln>
+              <a:noFill/>
+            </a:ln>
+          </p:spPr>
+          <p:txBody>
+            <a:bodyPr spcFirstLastPara="1" wrap="square" lIns="91400" tIns="45700" rIns="91400" bIns="45700" anchor="t" anchorCtr="0">
+              <a:noAutofit/>
+            </a:bodyPr>
+            <a:lstStyle/>
+            <a:p>
+              <a:pPr marL="0" marR="0" lvl="0" indent="0" algn="l" rtl="0">
+                <a:spcBef>
+                  <a:spcPts val="0"/>
+                </a:spcBef>
+                <a:spcAft>
+                  <a:spcPts val="0"/>
+                </a:spcAft>
+                <a:buNone/>
+              </a:pPr>
+              <a:endParaRPr sz="1800" b="0" i="0" u="none" strike="noStrike" cap="none">
+                <a:solidFill>
+                  <a:schemeClr val="dk1"/>
+                </a:solidFill>
+                <a:latin typeface="Gill Sans"/>
+                <a:ea typeface="Gill Sans"/>
+                <a:cs typeface="Gill Sans"/>
+                <a:sym typeface="Gill Sans"/>
+              </a:endParaRPr>
+            </a:p>
+          </p:txBody>
+        </p:sp>
+        <p:sp>
+          <p:nvSpPr>
+            <p:cNvPr id="206" name="Google Shape;206;p2"/>
+            <p:cNvSpPr/>
+            <p:nvPr/>
+          </p:nvSpPr>
+          <p:spPr>
+            <a:xfrm>
+              <a:off x="6957" y="860"/>
+              <a:ext cx="71" cy="156"/>
+            </a:xfrm>
+            <a:custGeom>
+              <a:avLst/>
+              <a:gdLst/>
+              <a:ahLst/>
+              <a:cxnLst/>
+              <a:rect l="l" t="t" r="r" b="b"/>
+              <a:pathLst>
+                <a:path w="48" h="108" extrusionOk="0">
+                  <a:moveTo>
+                    <a:pt x="42" y="108"/>
+                  </a:moveTo>
+                  <a:cubicBezTo>
+                    <a:pt x="6" y="108"/>
+                    <a:pt x="6" y="108"/>
+                    <a:pt x="6" y="108"/>
+                  </a:cubicBezTo>
+                  <a:cubicBezTo>
+                    <a:pt x="2" y="108"/>
+                    <a:pt x="0" y="106"/>
+                    <a:pt x="0" y="102"/>
+                  </a:cubicBezTo>
+                  <a:cubicBezTo>
+                    <a:pt x="0" y="6"/>
+                    <a:pt x="0" y="6"/>
+                    <a:pt x="0" y="6"/>
+                  </a:cubicBezTo>
+                  <a:cubicBezTo>
+                    <a:pt x="0" y="3"/>
+                    <a:pt x="2" y="0"/>
+                    <a:pt x="6" y="0"/>
+                  </a:cubicBezTo>
+                  <a:cubicBezTo>
+                    <a:pt x="42" y="0"/>
+                    <a:pt x="42" y="0"/>
+                    <a:pt x="42" y="0"/>
+                  </a:cubicBezTo>
+                  <a:cubicBezTo>
+                    <a:pt x="45" y="0"/>
+                    <a:pt x="48" y="3"/>
+                    <a:pt x="48" y="6"/>
+                  </a:cubicBezTo>
+                  <a:cubicBezTo>
+                    <a:pt x="48" y="102"/>
+                    <a:pt x="48" y="102"/>
+                    <a:pt x="48" y="102"/>
+                  </a:cubicBezTo>
+                  <a:cubicBezTo>
+                    <a:pt x="48" y="106"/>
+                    <a:pt x="45" y="108"/>
+                    <a:pt x="42" y="108"/>
+                  </a:cubicBezTo>
+                  <a:close/>
+                  <a:moveTo>
+                    <a:pt x="12" y="96"/>
+                  </a:moveTo>
+                  <a:cubicBezTo>
+                    <a:pt x="36" y="96"/>
+                    <a:pt x="36" y="96"/>
+                    <a:pt x="36" y="96"/>
+                  </a:cubicBezTo>
+                  <a:cubicBezTo>
+                    <a:pt x="36" y="12"/>
+                    <a:pt x="36" y="12"/>
+                    <a:pt x="36" y="12"/>
+                  </a:cubicBezTo>
+                  <a:cubicBezTo>
+                    <a:pt x="12" y="12"/>
+                    <a:pt x="12" y="12"/>
+                    <a:pt x="12" y="12"/>
+                  </a:cubicBezTo>
+                  <a:lnTo>
+                    <a:pt x="12" y="96"/>
+                  </a:lnTo>
+                  <a:close/>
+                </a:path>
+              </a:pathLst>
+            </a:custGeom>
+            <a:solidFill>
+              <a:schemeClr val="accent1"/>
+            </a:solidFill>
+            <a:ln>
+              <a:noFill/>
+            </a:ln>
+          </p:spPr>
+          <p:txBody>
+            <a:bodyPr spcFirstLastPara="1" wrap="square" lIns="91400" tIns="45700" rIns="91400" bIns="45700" anchor="t" anchorCtr="0">
+              <a:noAutofit/>
+            </a:bodyPr>
+            <a:lstStyle/>
+            <a:p>
+              <a:pPr marL="0" marR="0" lvl="0" indent="0" algn="l" rtl="0">
+                <a:spcBef>
+                  <a:spcPts val="0"/>
+                </a:spcBef>
+                <a:spcAft>
+                  <a:spcPts val="0"/>
+                </a:spcAft>
+                <a:buNone/>
+              </a:pPr>
+              <a:endParaRPr sz="1800" b="0" i="0" u="none" strike="noStrike" cap="none">
+                <a:solidFill>
+                  <a:schemeClr val="dk1"/>
+                </a:solidFill>
+                <a:latin typeface="Gill Sans"/>
+                <a:ea typeface="Gill Sans"/>
+                <a:cs typeface="Gill Sans"/>
+                <a:sym typeface="Gill Sans"/>
+              </a:endParaRPr>
+            </a:p>
+          </p:txBody>
+        </p:sp>
+        <p:sp>
+          <p:nvSpPr>
+            <p:cNvPr id="207" name="Google Shape;207;p2"/>
+            <p:cNvSpPr/>
+            <p:nvPr/>
+          </p:nvSpPr>
+          <p:spPr>
+            <a:xfrm>
+              <a:off x="7063" y="739"/>
+              <a:ext cx="71" cy="277"/>
+            </a:xfrm>
+            <a:custGeom>
+              <a:avLst/>
+              <a:gdLst/>
+              <a:ahLst/>
+              <a:cxnLst/>
+              <a:rect l="l" t="t" r="r" b="b"/>
+              <a:pathLst>
+                <a:path w="48" h="192" extrusionOk="0">
+                  <a:moveTo>
+                    <a:pt x="42" y="192"/>
+                  </a:moveTo>
+                  <a:cubicBezTo>
+                    <a:pt x="6" y="192"/>
+                    <a:pt x="6" y="192"/>
+                    <a:pt x="6" y="192"/>
+                  </a:cubicBezTo>
+                  <a:cubicBezTo>
+                    <a:pt x="2" y="192"/>
+                    <a:pt x="0" y="190"/>
+                    <a:pt x="0" y="186"/>
+                  </a:cubicBezTo>
+                  <a:cubicBezTo>
+                    <a:pt x="0" y="6"/>
+                    <a:pt x="0" y="6"/>
+                    <a:pt x="0" y="6"/>
+                  </a:cubicBezTo>
+                  <a:cubicBezTo>
+                    <a:pt x="0" y="3"/>
+                    <a:pt x="2" y="0"/>
+                    <a:pt x="6" y="0"/>
+                  </a:cubicBezTo>
+                  <a:cubicBezTo>
+                    <a:pt x="42" y="0"/>
+                    <a:pt x="42" y="0"/>
+                    <a:pt x="42" y="0"/>
+                  </a:cubicBezTo>
+                  <a:cubicBezTo>
+                    <a:pt x="45" y="0"/>
+                    <a:pt x="48" y="3"/>
+                    <a:pt x="48" y="6"/>
+                  </a:cubicBezTo>
+                  <a:cubicBezTo>
+                    <a:pt x="48" y="186"/>
+                    <a:pt x="48" y="186"/>
+                    <a:pt x="48" y="186"/>
+                  </a:cubicBezTo>
+                  <a:cubicBezTo>
+                    <a:pt x="48" y="190"/>
+                    <a:pt x="45" y="192"/>
+                    <a:pt x="42" y="192"/>
+                  </a:cubicBezTo>
+                  <a:close/>
+                  <a:moveTo>
+                    <a:pt x="12" y="180"/>
+                  </a:moveTo>
+                  <a:cubicBezTo>
+                    <a:pt x="36" y="180"/>
+                    <a:pt x="36" y="180"/>
+                    <a:pt x="36" y="180"/>
+                  </a:cubicBezTo>
+                  <a:cubicBezTo>
+                    <a:pt x="36" y="12"/>
+                    <a:pt x="36" y="12"/>
+                    <a:pt x="36" y="12"/>
+                  </a:cubicBezTo>
+                  <a:cubicBezTo>
+                    <a:pt x="12" y="12"/>
+                    <a:pt x="12" y="12"/>
+                    <a:pt x="12" y="12"/>
+                  </a:cubicBezTo>
+                  <a:lnTo>
+                    <a:pt x="12" y="180"/>
+                  </a:lnTo>
+                  <a:close/>
+                </a:path>
+              </a:pathLst>
+            </a:custGeom>
+            <a:solidFill>
+              <a:schemeClr val="accent1"/>
+            </a:solidFill>
+            <a:ln>
+              <a:noFill/>
+            </a:ln>
+          </p:spPr>
+          <p:txBody>
+            <a:bodyPr spcFirstLastPara="1" wrap="square" lIns="91400" tIns="45700" rIns="91400" bIns="45700" anchor="t" anchorCtr="0">
+              <a:noAutofit/>
+            </a:bodyPr>
+            <a:lstStyle/>
+            <a:p>
+              <a:pPr marL="0" marR="0" lvl="0" indent="0" algn="l" rtl="0">
+                <a:spcBef>
+                  <a:spcPts val="0"/>
+                </a:spcBef>
+                <a:spcAft>
+                  <a:spcPts val="0"/>
+                </a:spcAft>
+                <a:buNone/>
+              </a:pPr>
+              <a:endParaRPr sz="1800" b="0" i="0" u="none" strike="noStrike" cap="none">
+                <a:solidFill>
+                  <a:schemeClr val="dk1"/>
+                </a:solidFill>
+                <a:latin typeface="Gill Sans"/>
+                <a:ea typeface="Gill Sans"/>
+                <a:cs typeface="Gill Sans"/>
+                <a:sym typeface="Gill Sans"/>
+              </a:endParaRPr>
+            </a:p>
+          </p:txBody>
+        </p:sp>
+        <p:sp>
+          <p:nvSpPr>
+            <p:cNvPr id="208" name="Google Shape;208;p2"/>
+            <p:cNvSpPr/>
+            <p:nvPr/>
+          </p:nvSpPr>
+          <p:spPr>
+            <a:xfrm>
+              <a:off x="6753" y="774"/>
+              <a:ext cx="53" cy="52"/>
+            </a:xfrm>
+            <a:custGeom>
+              <a:avLst/>
+              <a:gdLst/>
+              <a:ahLst/>
+              <a:cxnLst/>
+              <a:rect l="l" t="t" r="r" b="b"/>
+              <a:pathLst>
+                <a:path w="36" h="36" extrusionOk="0">
+                  <a:moveTo>
+                    <a:pt x="18" y="36"/>
+                  </a:moveTo>
+                  <a:cubicBezTo>
+                    <a:pt x="8" y="36"/>
+                    <a:pt x="0" y="28"/>
+                    <a:pt x="0" y="18"/>
+                  </a:cubicBezTo>
+                  <a:cubicBezTo>
+                    <a:pt x="0" y="9"/>
+                    <a:pt x="8" y="0"/>
+                    <a:pt x="18" y="0"/>
+                  </a:cubicBezTo>
+                  <a:cubicBezTo>
+                    <a:pt x="28" y="0"/>
+                    <a:pt x="36" y="9"/>
+                    <a:pt x="36" y="18"/>
+                  </a:cubicBezTo>
+                  <a:cubicBezTo>
+                    <a:pt x="36" y="28"/>
+                    <a:pt x="28" y="36"/>
+                    <a:pt x="18" y="36"/>
+                  </a:cubicBezTo>
+                  <a:close/>
+                  <a:moveTo>
+                    <a:pt x="18" y="12"/>
+                  </a:moveTo>
+                  <a:cubicBezTo>
+                    <a:pt x="14" y="12"/>
+                    <a:pt x="12" y="15"/>
+                    <a:pt x="12" y="18"/>
+                  </a:cubicBezTo>
+                  <a:cubicBezTo>
+                    <a:pt x="12" y="22"/>
+                    <a:pt x="14" y="24"/>
+                    <a:pt x="18" y="24"/>
+                  </a:cubicBezTo>
+                  <a:cubicBezTo>
+                    <a:pt x="21" y="24"/>
+                    <a:pt x="24" y="22"/>
+                    <a:pt x="24" y="18"/>
+                  </a:cubicBezTo>
+                  <a:cubicBezTo>
+                    <a:pt x="24" y="15"/>
+                    <a:pt x="21" y="12"/>
+                    <a:pt x="18" y="12"/>
+                  </a:cubicBezTo>
+                  <a:close/>
+                </a:path>
+              </a:pathLst>
+            </a:custGeom>
+            <a:solidFill>
+              <a:schemeClr val="accent1"/>
+            </a:solidFill>
+            <a:ln>
+              <a:noFill/>
+            </a:ln>
+          </p:spPr>
+          <p:txBody>
+            <a:bodyPr spcFirstLastPara="1" wrap="square" lIns="91400" tIns="45700" rIns="91400" bIns="45700" anchor="t" anchorCtr="0">
+              <a:noAutofit/>
+            </a:bodyPr>
+            <a:lstStyle/>
+            <a:p>
+              <a:pPr marL="0" marR="0" lvl="0" indent="0" algn="l" rtl="0">
+                <a:spcBef>
+                  <a:spcPts val="0"/>
+                </a:spcBef>
+                <a:spcAft>
+                  <a:spcPts val="0"/>
+                </a:spcAft>
+                <a:buNone/>
+              </a:pPr>
+              <a:endParaRPr sz="1800" b="0" i="0" u="none" strike="noStrike" cap="none">
+                <a:solidFill>
+                  <a:schemeClr val="dk1"/>
+                </a:solidFill>
+                <a:latin typeface="Gill Sans"/>
+                <a:ea typeface="Gill Sans"/>
+                <a:cs typeface="Gill Sans"/>
+                <a:sym typeface="Gill Sans"/>
+              </a:endParaRPr>
+            </a:p>
+          </p:txBody>
+        </p:sp>
+        <p:sp>
+          <p:nvSpPr>
+            <p:cNvPr id="209" name="Google Shape;209;p2"/>
+            <p:cNvSpPr/>
+            <p:nvPr/>
+          </p:nvSpPr>
+          <p:spPr>
+            <a:xfrm>
+              <a:off x="6859" y="687"/>
+              <a:ext cx="53" cy="52"/>
+            </a:xfrm>
+            <a:custGeom>
+              <a:avLst/>
+              <a:gdLst/>
+              <a:ahLst/>
+              <a:cxnLst/>
+              <a:rect l="l" t="t" r="r" b="b"/>
+              <a:pathLst>
+                <a:path w="36" h="36" extrusionOk="0">
+                  <a:moveTo>
+                    <a:pt x="18" y="36"/>
+                  </a:moveTo>
+                  <a:cubicBezTo>
+                    <a:pt x="8" y="36"/>
+                    <a:pt x="0" y="28"/>
+                    <a:pt x="0" y="18"/>
+                  </a:cubicBezTo>
+                  <a:cubicBezTo>
+                    <a:pt x="0" y="9"/>
+                    <a:pt x="8" y="0"/>
+                    <a:pt x="18" y="0"/>
+                  </a:cubicBezTo>
+                  <a:cubicBezTo>
+                    <a:pt x="28" y="0"/>
+                    <a:pt x="36" y="9"/>
+                    <a:pt x="36" y="18"/>
+                  </a:cubicBezTo>
+                  <a:cubicBezTo>
+                    <a:pt x="36" y="28"/>
+                    <a:pt x="28" y="36"/>
+                    <a:pt x="18" y="36"/>
+                  </a:cubicBezTo>
+                  <a:close/>
+                  <a:moveTo>
+                    <a:pt x="18" y="12"/>
+                  </a:moveTo>
+                  <a:cubicBezTo>
+                    <a:pt x="14" y="12"/>
+                    <a:pt x="12" y="15"/>
+                    <a:pt x="12" y="18"/>
+                  </a:cubicBezTo>
+                  <a:cubicBezTo>
+                    <a:pt x="12" y="22"/>
+                    <a:pt x="14" y="24"/>
+                    <a:pt x="18" y="24"/>
+                  </a:cubicBezTo>
+                  <a:cubicBezTo>
+                    <a:pt x="21" y="24"/>
+                    <a:pt x="24" y="22"/>
+                    <a:pt x="24" y="18"/>
+                  </a:cubicBezTo>
+                  <a:cubicBezTo>
+                    <a:pt x="24" y="15"/>
+                    <a:pt x="21" y="12"/>
+                    <a:pt x="18" y="12"/>
+                  </a:cubicBezTo>
+                  <a:close/>
+                </a:path>
+              </a:pathLst>
+            </a:custGeom>
+            <a:solidFill>
+              <a:schemeClr val="accent1"/>
+            </a:solidFill>
+            <a:ln>
+              <a:noFill/>
+            </a:ln>
+          </p:spPr>
+          <p:txBody>
+            <a:bodyPr spcFirstLastPara="1" wrap="square" lIns="91400" tIns="45700" rIns="91400" bIns="45700" anchor="t" anchorCtr="0">
+              <a:noAutofit/>
+            </a:bodyPr>
+            <a:lstStyle/>
+            <a:p>
+              <a:pPr marL="0" marR="0" lvl="0" indent="0" algn="l" rtl="0">
+                <a:spcBef>
+                  <a:spcPts val="0"/>
+                </a:spcBef>
+                <a:spcAft>
+                  <a:spcPts val="0"/>
+                </a:spcAft>
+                <a:buNone/>
+              </a:pPr>
+              <a:endParaRPr sz="1800" b="0" i="0" u="none" strike="noStrike" cap="none">
+                <a:solidFill>
+                  <a:schemeClr val="dk1"/>
+                </a:solidFill>
+                <a:latin typeface="Gill Sans"/>
+                <a:ea typeface="Gill Sans"/>
+                <a:cs typeface="Gill Sans"/>
+                <a:sym typeface="Gill Sans"/>
+              </a:endParaRPr>
+            </a:p>
+          </p:txBody>
+        </p:sp>
+        <p:sp>
+          <p:nvSpPr>
+            <p:cNvPr id="210" name="Google Shape;210;p2"/>
+            <p:cNvSpPr/>
+            <p:nvPr/>
+          </p:nvSpPr>
+          <p:spPr>
+            <a:xfrm>
+              <a:off x="6966" y="722"/>
+              <a:ext cx="53" cy="52"/>
+            </a:xfrm>
+            <a:custGeom>
+              <a:avLst/>
+              <a:gdLst/>
+              <a:ahLst/>
+              <a:cxnLst/>
+              <a:rect l="l" t="t" r="r" b="b"/>
+              <a:pathLst>
+                <a:path w="36" h="36" extrusionOk="0">
+                  <a:moveTo>
+                    <a:pt x="18" y="36"/>
+                  </a:moveTo>
+                  <a:cubicBezTo>
+                    <a:pt x="8" y="36"/>
+                    <a:pt x="0" y="28"/>
+                    <a:pt x="0" y="18"/>
+                  </a:cubicBezTo>
+                  <a:cubicBezTo>
+                    <a:pt x="0" y="9"/>
+                    <a:pt x="8" y="0"/>
+                    <a:pt x="18" y="0"/>
+                  </a:cubicBezTo>
+                  <a:cubicBezTo>
+                    <a:pt x="28" y="0"/>
+                    <a:pt x="36" y="9"/>
+                    <a:pt x="36" y="18"/>
+                  </a:cubicBezTo>
+                  <a:cubicBezTo>
+                    <a:pt x="36" y="28"/>
+                    <a:pt x="28" y="36"/>
+                    <a:pt x="18" y="36"/>
+                  </a:cubicBezTo>
+                  <a:close/>
+                  <a:moveTo>
+                    <a:pt x="18" y="12"/>
+                  </a:moveTo>
+                  <a:cubicBezTo>
+                    <a:pt x="14" y="12"/>
+                    <a:pt x="12" y="15"/>
+                    <a:pt x="12" y="18"/>
+                  </a:cubicBezTo>
+                  <a:cubicBezTo>
+                    <a:pt x="12" y="22"/>
+                    <a:pt x="14" y="24"/>
+                    <a:pt x="18" y="24"/>
+                  </a:cubicBezTo>
+                  <a:cubicBezTo>
+                    <a:pt x="21" y="24"/>
+                    <a:pt x="24" y="22"/>
+                    <a:pt x="24" y="18"/>
+                  </a:cubicBezTo>
+                  <a:cubicBezTo>
+                    <a:pt x="24" y="15"/>
+                    <a:pt x="21" y="12"/>
+                    <a:pt x="18" y="12"/>
+                  </a:cubicBezTo>
+                  <a:close/>
+                </a:path>
+              </a:pathLst>
+            </a:custGeom>
+            <a:solidFill>
+              <a:schemeClr val="accent1"/>
+            </a:solidFill>
+            <a:ln>
+              <a:noFill/>
+            </a:ln>
+          </p:spPr>
+          <p:txBody>
+            <a:bodyPr spcFirstLastPara="1" wrap="square" lIns="91400" tIns="45700" rIns="91400" bIns="45700" anchor="t" anchorCtr="0">
+              <a:noAutofit/>
+            </a:bodyPr>
+            <a:lstStyle/>
+            <a:p>
+              <a:pPr marL="0" marR="0" lvl="0" indent="0" algn="l" rtl="0">
+                <a:spcBef>
+                  <a:spcPts val="0"/>
+                </a:spcBef>
+                <a:spcAft>
+                  <a:spcPts val="0"/>
+                </a:spcAft>
+                <a:buNone/>
+              </a:pPr>
+              <a:endParaRPr sz="1800" b="0" i="0" u="none" strike="noStrike" cap="none">
+                <a:solidFill>
+                  <a:schemeClr val="dk1"/>
+                </a:solidFill>
+                <a:latin typeface="Gill Sans"/>
+                <a:ea typeface="Gill Sans"/>
+                <a:cs typeface="Gill Sans"/>
+                <a:sym typeface="Gill Sans"/>
+              </a:endParaRPr>
+            </a:p>
+          </p:txBody>
+        </p:sp>
+        <p:sp>
+          <p:nvSpPr>
+            <p:cNvPr id="211" name="Google Shape;211;p2"/>
+            <p:cNvSpPr/>
+            <p:nvPr/>
+          </p:nvSpPr>
+          <p:spPr>
+            <a:xfrm>
+              <a:off x="7072" y="600"/>
+              <a:ext cx="54" cy="52"/>
+            </a:xfrm>
+            <a:custGeom>
+              <a:avLst/>
+              <a:gdLst/>
+              <a:ahLst/>
+              <a:cxnLst/>
+              <a:rect l="l" t="t" r="r" b="b"/>
+              <a:pathLst>
+                <a:path w="36" h="36" extrusionOk="0">
+                  <a:moveTo>
+                    <a:pt x="18" y="36"/>
+                  </a:moveTo>
+                  <a:cubicBezTo>
+                    <a:pt x="8" y="36"/>
+                    <a:pt x="0" y="28"/>
+                    <a:pt x="0" y="18"/>
+                  </a:cubicBezTo>
+                  <a:cubicBezTo>
+                    <a:pt x="0" y="9"/>
+                    <a:pt x="8" y="0"/>
+                    <a:pt x="18" y="0"/>
+                  </a:cubicBezTo>
+                  <a:cubicBezTo>
+                    <a:pt x="28" y="0"/>
+                    <a:pt x="36" y="9"/>
+                    <a:pt x="36" y="18"/>
+                  </a:cubicBezTo>
+                  <a:cubicBezTo>
+                    <a:pt x="36" y="28"/>
+                    <a:pt x="28" y="36"/>
+                    <a:pt x="18" y="36"/>
+                  </a:cubicBezTo>
+                  <a:close/>
+                  <a:moveTo>
+                    <a:pt x="18" y="12"/>
+                  </a:moveTo>
+                  <a:cubicBezTo>
+                    <a:pt x="14" y="12"/>
+                    <a:pt x="12" y="15"/>
+                    <a:pt x="12" y="18"/>
+                  </a:cubicBezTo>
+                  <a:cubicBezTo>
+                    <a:pt x="12" y="22"/>
+                    <a:pt x="14" y="24"/>
+                    <a:pt x="18" y="24"/>
+                  </a:cubicBezTo>
+                  <a:cubicBezTo>
+                    <a:pt x="21" y="24"/>
+                    <a:pt x="24" y="22"/>
+                    <a:pt x="24" y="18"/>
+                  </a:cubicBezTo>
+                  <a:cubicBezTo>
+                    <a:pt x="24" y="15"/>
+                    <a:pt x="21" y="12"/>
+                    <a:pt x="18" y="12"/>
+                  </a:cubicBezTo>
+                  <a:close/>
+                </a:path>
+              </a:pathLst>
+            </a:custGeom>
+            <a:solidFill>
+              <a:schemeClr val="accent1"/>
+            </a:solidFill>
+            <a:ln>
+              <a:noFill/>
+            </a:ln>
+          </p:spPr>
+          <p:txBody>
+            <a:bodyPr spcFirstLastPara="1" wrap="square" lIns="91400" tIns="45700" rIns="91400" bIns="45700" anchor="t" anchorCtr="0">
+              <a:noAutofit/>
+            </a:bodyPr>
+            <a:lstStyle/>
+            <a:p>
+              <a:pPr marL="0" marR="0" lvl="0" indent="0" algn="l" rtl="0">
+                <a:spcBef>
+                  <a:spcPts val="0"/>
+                </a:spcBef>
+                <a:spcAft>
+                  <a:spcPts val="0"/>
+                </a:spcAft>
+                <a:buNone/>
+              </a:pPr>
+              <a:endParaRPr sz="1800" b="0" i="0" u="none" strike="noStrike" cap="none">
+                <a:solidFill>
+                  <a:schemeClr val="dk1"/>
+                </a:solidFill>
+                <a:latin typeface="Gill Sans"/>
+                <a:ea typeface="Gill Sans"/>
+                <a:cs typeface="Gill Sans"/>
+                <a:sym typeface="Gill Sans"/>
+              </a:endParaRPr>
+            </a:p>
+          </p:txBody>
+        </p:sp>
+        <p:sp>
+          <p:nvSpPr>
+            <p:cNvPr id="212" name="Google Shape;212;p2"/>
+            <p:cNvSpPr/>
+            <p:nvPr/>
+          </p:nvSpPr>
+          <p:spPr>
+            <a:xfrm>
+              <a:off x="6782" y="714"/>
+              <a:ext cx="99" cy="84"/>
+            </a:xfrm>
+            <a:custGeom>
+              <a:avLst/>
+              <a:gdLst/>
+              <a:ahLst/>
+              <a:cxnLst/>
+              <a:rect l="l" t="t" r="r" b="b"/>
+              <a:pathLst>
+                <a:path w="67" h="58" extrusionOk="0">
+                  <a:moveTo>
+                    <a:pt x="7" y="58"/>
+                  </a:moveTo>
+                  <a:cubicBezTo>
+                    <a:pt x="5" y="58"/>
+                    <a:pt x="3" y="57"/>
+                    <a:pt x="2" y="56"/>
+                  </a:cubicBezTo>
+                  <a:cubicBezTo>
+                    <a:pt x="0" y="53"/>
+                    <a:pt x="0" y="49"/>
+                    <a:pt x="3" y="47"/>
+                  </a:cubicBezTo>
+                  <a:cubicBezTo>
+                    <a:pt x="57" y="3"/>
+                    <a:pt x="57" y="3"/>
+                    <a:pt x="57" y="3"/>
+                  </a:cubicBezTo>
+                  <a:cubicBezTo>
+                    <a:pt x="59" y="0"/>
+                    <a:pt x="63" y="1"/>
+                    <a:pt x="65" y="3"/>
+                  </a:cubicBezTo>
+                  <a:cubicBezTo>
+                    <a:pt x="67" y="6"/>
+                    <a:pt x="67" y="10"/>
+                    <a:pt x="64" y="12"/>
+                  </a:cubicBezTo>
+                  <a:cubicBezTo>
+                    <a:pt x="11" y="56"/>
+                    <a:pt x="11" y="56"/>
+                    <a:pt x="11" y="56"/>
+                  </a:cubicBezTo>
+                  <a:cubicBezTo>
+                    <a:pt x="10" y="57"/>
+                    <a:pt x="8" y="58"/>
+                    <a:pt x="7" y="58"/>
+                  </a:cubicBezTo>
+                  <a:close/>
+                </a:path>
+              </a:pathLst>
+            </a:custGeom>
+            <a:solidFill>
+              <a:schemeClr val="accent1"/>
+            </a:solidFill>
+            <a:ln>
+              <a:noFill/>
+            </a:ln>
+          </p:spPr>
+          <p:txBody>
+            <a:bodyPr spcFirstLastPara="1" wrap="square" lIns="91400" tIns="45700" rIns="91400" bIns="45700" anchor="t" anchorCtr="0">
+              <a:noAutofit/>
+            </a:bodyPr>
+            <a:lstStyle/>
+            <a:p>
+              <a:pPr marL="0" marR="0" lvl="0" indent="0" algn="l" rtl="0">
+                <a:spcBef>
+                  <a:spcPts val="0"/>
+                </a:spcBef>
+                <a:spcAft>
+                  <a:spcPts val="0"/>
+                </a:spcAft>
+                <a:buNone/>
+              </a:pPr>
+              <a:endParaRPr sz="1800" b="0" i="0" u="none" strike="noStrike" cap="none">
+                <a:solidFill>
+                  <a:schemeClr val="dk1"/>
+                </a:solidFill>
+                <a:latin typeface="Gill Sans"/>
+                <a:ea typeface="Gill Sans"/>
+                <a:cs typeface="Gill Sans"/>
+                <a:sym typeface="Gill Sans"/>
+              </a:endParaRPr>
+            </a:p>
+          </p:txBody>
+        </p:sp>
+        <p:sp>
+          <p:nvSpPr>
+            <p:cNvPr id="213" name="Google Shape;213;p2"/>
+            <p:cNvSpPr/>
+            <p:nvPr/>
+          </p:nvSpPr>
+          <p:spPr>
+            <a:xfrm>
+              <a:off x="6892" y="708"/>
+              <a:ext cx="93" cy="44"/>
+            </a:xfrm>
+            <a:custGeom>
+              <a:avLst/>
+              <a:gdLst/>
+              <a:ahLst/>
+              <a:cxnLst/>
+              <a:rect l="l" t="t" r="r" b="b"/>
+              <a:pathLst>
+                <a:path w="63" h="30" extrusionOk="0">
+                  <a:moveTo>
+                    <a:pt x="57" y="30"/>
+                  </a:moveTo>
+                  <a:cubicBezTo>
+                    <a:pt x="56" y="30"/>
+                    <a:pt x="55" y="30"/>
+                    <a:pt x="55" y="29"/>
+                  </a:cubicBezTo>
+                  <a:cubicBezTo>
+                    <a:pt x="5" y="13"/>
+                    <a:pt x="5" y="13"/>
+                    <a:pt x="5" y="13"/>
+                  </a:cubicBezTo>
+                  <a:cubicBezTo>
+                    <a:pt x="2" y="12"/>
+                    <a:pt x="0" y="8"/>
+                    <a:pt x="1" y="5"/>
+                  </a:cubicBezTo>
+                  <a:cubicBezTo>
+                    <a:pt x="2" y="2"/>
+                    <a:pt x="6" y="0"/>
+                    <a:pt x="9" y="2"/>
+                  </a:cubicBezTo>
+                  <a:cubicBezTo>
+                    <a:pt x="58" y="18"/>
+                    <a:pt x="58" y="18"/>
+                    <a:pt x="58" y="18"/>
+                  </a:cubicBezTo>
+                  <a:cubicBezTo>
+                    <a:pt x="62" y="19"/>
+                    <a:pt x="63" y="23"/>
+                    <a:pt x="62" y="26"/>
+                  </a:cubicBezTo>
+                  <a:cubicBezTo>
+                    <a:pt x="61" y="28"/>
+                    <a:pt x="59" y="30"/>
+                    <a:pt x="57" y="30"/>
+                  </a:cubicBezTo>
+                  <a:close/>
+                </a:path>
+              </a:pathLst>
+            </a:custGeom>
+            <a:solidFill>
+              <a:schemeClr val="accent1"/>
+            </a:solidFill>
+            <a:ln>
+              <a:noFill/>
+            </a:ln>
+          </p:spPr>
+          <p:txBody>
+            <a:bodyPr spcFirstLastPara="1" wrap="square" lIns="91400" tIns="45700" rIns="91400" bIns="45700" anchor="t" anchorCtr="0">
+              <a:noAutofit/>
+            </a:bodyPr>
+            <a:lstStyle/>
+            <a:p>
+              <a:pPr marL="0" marR="0" lvl="0" indent="0" algn="l" rtl="0">
+                <a:spcBef>
+                  <a:spcPts val="0"/>
+                </a:spcBef>
+                <a:spcAft>
+                  <a:spcPts val="0"/>
+                </a:spcAft>
+                <a:buNone/>
+              </a:pPr>
+              <a:endParaRPr sz="1800" b="0" i="0" u="none" strike="noStrike" cap="none">
+                <a:solidFill>
+                  <a:schemeClr val="dk1"/>
+                </a:solidFill>
+                <a:latin typeface="Gill Sans"/>
+                <a:ea typeface="Gill Sans"/>
+                <a:cs typeface="Gill Sans"/>
+                <a:sym typeface="Gill Sans"/>
+              </a:endParaRPr>
+            </a:p>
+          </p:txBody>
+        </p:sp>
+        <p:sp>
+          <p:nvSpPr>
+            <p:cNvPr id="214" name="Google Shape;214;p2"/>
+            <p:cNvSpPr/>
+            <p:nvPr/>
+          </p:nvSpPr>
+          <p:spPr>
+            <a:xfrm>
+              <a:off x="6994" y="630"/>
+              <a:ext cx="103" cy="113"/>
+            </a:xfrm>
+            <a:custGeom>
+              <a:avLst/>
+              <a:gdLst/>
+              <a:ahLst/>
+              <a:cxnLst/>
+              <a:rect l="l" t="t" r="r" b="b"/>
+              <a:pathLst>
+                <a:path w="70" h="78" extrusionOk="0">
+                  <a:moveTo>
+                    <a:pt x="6" y="78"/>
+                  </a:moveTo>
+                  <a:cubicBezTo>
+                    <a:pt x="5" y="78"/>
+                    <a:pt x="4" y="78"/>
+                    <a:pt x="3" y="77"/>
+                  </a:cubicBezTo>
+                  <a:cubicBezTo>
+                    <a:pt x="0" y="75"/>
+                    <a:pt x="0" y="71"/>
+                    <a:pt x="2" y="68"/>
+                  </a:cubicBezTo>
+                  <a:cubicBezTo>
+                    <a:pt x="58" y="3"/>
+                    <a:pt x="58" y="3"/>
+                    <a:pt x="58" y="3"/>
+                  </a:cubicBezTo>
+                  <a:cubicBezTo>
+                    <a:pt x="60" y="0"/>
+                    <a:pt x="64" y="0"/>
+                    <a:pt x="67" y="2"/>
+                  </a:cubicBezTo>
+                  <a:cubicBezTo>
+                    <a:pt x="69" y="4"/>
+                    <a:pt x="70" y="8"/>
+                    <a:pt x="67" y="10"/>
+                  </a:cubicBezTo>
+                  <a:cubicBezTo>
+                    <a:pt x="11" y="76"/>
+                    <a:pt x="11" y="76"/>
+                    <a:pt x="11" y="76"/>
+                  </a:cubicBezTo>
+                  <a:cubicBezTo>
+                    <a:pt x="10" y="78"/>
+                    <a:pt x="8" y="78"/>
+                    <a:pt x="6" y="78"/>
+                  </a:cubicBezTo>
+                  <a:close/>
+                </a:path>
+              </a:pathLst>
+            </a:custGeom>
+            <a:solidFill>
+              <a:schemeClr val="accent1"/>
+            </a:solidFill>
+            <a:ln>
+              <a:noFill/>
+            </a:ln>
+          </p:spPr>
+          <p:txBody>
+            <a:bodyPr spcFirstLastPara="1" wrap="square" lIns="91400" tIns="45700" rIns="91400" bIns="45700" anchor="t" anchorCtr="0">
+              <a:noAutofit/>
+            </a:bodyPr>
+            <a:lstStyle/>
+            <a:p>
+              <a:pPr marL="0" marR="0" lvl="0" indent="0" algn="l" rtl="0">
+                <a:spcBef>
+                  <a:spcPts val="0"/>
+                </a:spcBef>
+                <a:spcAft>
+                  <a:spcPts val="0"/>
+                </a:spcAft>
+                <a:buNone/>
+              </a:pPr>
+              <a:endParaRPr sz="1800" b="0" i="0" u="none" strike="noStrike" cap="none">
+                <a:solidFill>
+                  <a:schemeClr val="dk1"/>
+                </a:solidFill>
+                <a:latin typeface="Gill Sans"/>
+                <a:ea typeface="Gill Sans"/>
+                <a:cs typeface="Gill Sans"/>
+                <a:sym typeface="Gill Sans"/>
+              </a:endParaRPr>
+            </a:p>
+          </p:txBody>
+        </p:sp>
+      </p:grpSp>
+      <p:pic>
+        <p:nvPicPr>
+          <p:cNvPr id="215" name="Google Shape;215;p2"/>
+          <p:cNvPicPr preferRelativeResize="0"/>
+          <p:nvPr/>
+        </p:nvPicPr>
+        <p:blipFill>
+          <a:blip r:embed="rId3">
+            <a:alphaModFix/>
+          </a:blip>
+          <a:stretch>
+            <a:fillRect/>
+          </a:stretch>
+        </p:blipFill>
+        <p:spPr>
+          <a:xfrm>
+            <a:off x="3076625" y="158912"/>
+            <a:ext cx="266700" cy="6540175"/>
+          </a:xfrm>
+          <a:prstGeom prst="rect">
+            <a:avLst/>
+          </a:prstGeom>
+          <a:noFill/>
+          <a:ln>
+            <a:noFill/>
+          </a:ln>
+        </p:spPr>
+      </p:pic>
+      <p:pic>
+        <p:nvPicPr>
+          <p:cNvPr id="216" name="Google Shape;216;p2"/>
+          <p:cNvPicPr preferRelativeResize="0"/>
+          <p:nvPr/>
+        </p:nvPicPr>
+        <p:blipFill>
+          <a:blip r:embed="rId4">
+            <a:alphaModFix/>
+          </a:blip>
+          <a:stretch>
+            <a:fillRect/>
+          </a:stretch>
+        </p:blipFill>
+        <p:spPr>
+          <a:xfrm>
+            <a:off x="3888400" y="124422"/>
+            <a:ext cx="589100" cy="6621900"/>
+          </a:xfrm>
+          <a:prstGeom prst="rect">
+            <a:avLst/>
+          </a:prstGeom>
+          <a:noFill/>
+          <a:ln>
+            <a:noFill/>
+          </a:ln>
+        </p:spPr>
+      </p:pic>
+      <p:sp>
+        <p:nvSpPr>
+          <p:cNvPr id="217" name="Google Shape;217;p2"/>
+          <p:cNvSpPr txBox="1">
+            <a:spLocks noGrp="1"/>
+          </p:cNvSpPr>
+          <p:nvPr>
+            <p:ph type="body" idx="1"/>
+          </p:nvPr>
+        </p:nvSpPr>
+        <p:spPr>
+          <a:xfrm>
+            <a:off x="3455850" y="0"/>
+            <a:ext cx="8475000" cy="6746400"/>
+          </a:xfrm>
+          <a:prstGeom prst="rect">
+            <a:avLst/>
+          </a:prstGeom>
+          <a:noFill/>
+          <a:ln>
+            <a:noFill/>
+          </a:ln>
+        </p:spPr>
+        <p:txBody>
+          <a:bodyPr spcFirstLastPara="1" wrap="square" lIns="91425" tIns="45700" rIns="91425" bIns="45700" anchor="ctr" anchorCtr="0">
+            <a:noAutofit/>
+          </a:bodyPr>
+          <a:lstStyle/>
+          <a:p>
+            <a:pPr marL="0" lvl="0" indent="0" algn="l" rtl="0">
+              <a:spcBef>
+                <a:spcPts val="1080"/>
+              </a:spcBef>
+              <a:spcAft>
+                <a:spcPts val="0"/>
+              </a:spcAft>
+              <a:buNone/>
+            </a:pPr>
+            <a:endParaRPr lang="es-CL" sz="1300" b="1" dirty="0">
+              <a:solidFill>
+                <a:schemeClr val="accent1"/>
+              </a:solidFill>
+              <a:latin typeface="Arial Black" panose="020B0A04020102020204" pitchFamily="34" charset="0"/>
+            </a:endParaRPr>
+          </a:p>
+          <a:p>
+            <a:pPr marL="0" lvl="0" indent="0" algn="l" rtl="0">
+              <a:spcBef>
+                <a:spcPts val="1080"/>
+              </a:spcBef>
+              <a:spcAft>
+                <a:spcPts val="0"/>
+              </a:spcAft>
+              <a:buNone/>
+            </a:pPr>
+            <a:endParaRPr lang="es-CL" sz="1300" b="1" dirty="0">
+              <a:solidFill>
+                <a:schemeClr val="accent1"/>
+              </a:solidFill>
+              <a:latin typeface="Arial Black" panose="020B0A04020102020204" pitchFamily="34" charset="0"/>
+            </a:endParaRPr>
+          </a:p>
+          <a:p>
+            <a:pPr marL="0" lvl="0" indent="0" algn="l" rtl="0">
+              <a:spcBef>
+                <a:spcPts val="1080"/>
+              </a:spcBef>
+              <a:spcAft>
+                <a:spcPts val="0"/>
+              </a:spcAft>
+              <a:buNone/>
+            </a:pPr>
+            <a:endParaRPr lang="es-CL" sz="1300" b="1" dirty="0">
+              <a:solidFill>
+                <a:schemeClr val="accent1"/>
+              </a:solidFill>
+              <a:latin typeface="Arial Black" panose="020B0A04020102020204" pitchFamily="34" charset="0"/>
+            </a:endParaRPr>
+          </a:p>
+          <a:p>
+            <a:pPr marL="0" lvl="0" indent="0" algn="l" rtl="0">
+              <a:spcBef>
+                <a:spcPts val="1080"/>
+              </a:spcBef>
+              <a:spcAft>
+                <a:spcPts val="0"/>
+              </a:spcAft>
+              <a:buNone/>
+            </a:pPr>
+            <a:endParaRPr lang="es-CL" sz="1300" b="1" dirty="0">
+              <a:solidFill>
+                <a:schemeClr val="accent1"/>
+              </a:solidFill>
+              <a:latin typeface="Arial Black" panose="020B0A04020102020204" pitchFamily="34" charset="0"/>
+            </a:endParaRPr>
+          </a:p>
+          <a:p>
+            <a:pPr marL="0" lvl="0" indent="0" algn="l" rtl="0">
+              <a:spcBef>
+                <a:spcPts val="1080"/>
+              </a:spcBef>
+              <a:spcAft>
+                <a:spcPts val="0"/>
+              </a:spcAft>
+              <a:buNone/>
+            </a:pPr>
+            <a:endParaRPr lang="es-CL" sz="1300" b="1" dirty="0">
+              <a:solidFill>
+                <a:schemeClr val="accent1"/>
+              </a:solidFill>
+              <a:latin typeface="Arial Black" panose="020B0A04020102020204" pitchFamily="34" charset="0"/>
+            </a:endParaRPr>
+          </a:p>
+          <a:p>
+            <a:pPr marL="0" lvl="0" indent="0" algn="l" rtl="0">
+              <a:spcBef>
+                <a:spcPts val="1080"/>
+              </a:spcBef>
+              <a:spcAft>
+                <a:spcPts val="0"/>
+              </a:spcAft>
+              <a:buNone/>
+            </a:pPr>
+            <a:endParaRPr lang="es-CL" sz="1300" b="1" dirty="0">
+              <a:solidFill>
+                <a:schemeClr val="accent1"/>
+              </a:solidFill>
+              <a:latin typeface="Arial Black" panose="020B0A04020102020204" pitchFamily="34" charset="0"/>
+            </a:endParaRPr>
+          </a:p>
+          <a:p>
+            <a:pPr marL="0" lvl="0" indent="0" algn="l" rtl="0">
+              <a:spcBef>
+                <a:spcPts val="1080"/>
+              </a:spcBef>
+              <a:spcAft>
+                <a:spcPts val="0"/>
+              </a:spcAft>
+              <a:buNone/>
+            </a:pPr>
+            <a:endParaRPr lang="es-CL" sz="1300" b="1" dirty="0">
+              <a:solidFill>
+                <a:schemeClr val="accent1"/>
+              </a:solidFill>
+              <a:latin typeface="Arial Black" panose="020B0A04020102020204" pitchFamily="34" charset="0"/>
+            </a:endParaRPr>
+          </a:p>
+          <a:p>
+            <a:pPr marL="0" lvl="0" indent="0" algn="l" rtl="0">
+              <a:spcBef>
+                <a:spcPts val="1080"/>
+              </a:spcBef>
+              <a:spcAft>
+                <a:spcPts val="0"/>
+              </a:spcAft>
+              <a:buNone/>
+            </a:pPr>
+            <a:endParaRPr lang="es-CL" sz="1300" b="1" dirty="0">
+              <a:solidFill>
+                <a:schemeClr val="accent1"/>
+              </a:solidFill>
+              <a:latin typeface="Arial Black" panose="020B0A04020102020204" pitchFamily="34" charset="0"/>
+            </a:endParaRPr>
+          </a:p>
+          <a:p>
+            <a:pPr marL="0" lvl="0" indent="0" algn="l" rtl="0">
+              <a:spcBef>
+                <a:spcPts val="1080"/>
+              </a:spcBef>
+              <a:spcAft>
+                <a:spcPts val="0"/>
+              </a:spcAft>
+              <a:buNone/>
+            </a:pPr>
+            <a:endParaRPr lang="es-CL" sz="1300" b="1" dirty="0">
+              <a:solidFill>
+                <a:schemeClr val="accent1"/>
+              </a:solidFill>
+              <a:latin typeface="Arial Black" panose="020B0A04020102020204" pitchFamily="34" charset="0"/>
+            </a:endParaRPr>
+          </a:p>
+          <a:p>
+            <a:pPr marL="0" lvl="0" indent="0" algn="l" rtl="0">
+              <a:spcBef>
+                <a:spcPts val="1080"/>
+              </a:spcBef>
+              <a:spcAft>
+                <a:spcPts val="0"/>
+              </a:spcAft>
+              <a:buNone/>
+            </a:pPr>
+            <a:endParaRPr lang="es-CL" sz="1300" b="1" dirty="0">
+              <a:solidFill>
+                <a:schemeClr val="accent1"/>
+              </a:solidFill>
+              <a:latin typeface="Arial Black" panose="020B0A04020102020204" pitchFamily="34" charset="0"/>
+            </a:endParaRPr>
+          </a:p>
+          <a:p>
+            <a:pPr marL="0" lvl="0" indent="0" algn="l" rtl="0">
+              <a:spcBef>
+                <a:spcPts val="1080"/>
+              </a:spcBef>
+              <a:spcAft>
+                <a:spcPts val="0"/>
+              </a:spcAft>
+              <a:buNone/>
+            </a:pPr>
+            <a:endParaRPr lang="es-CL" sz="1300" b="1" dirty="0">
+              <a:solidFill>
+                <a:schemeClr val="accent1"/>
+              </a:solidFill>
+              <a:latin typeface="Arial Black" panose="020B0A04020102020204" pitchFamily="34" charset="0"/>
+            </a:endParaRPr>
+          </a:p>
+          <a:p>
+            <a:pPr marL="0" lvl="0" indent="0" algn="l" rtl="0">
+              <a:spcBef>
+                <a:spcPts val="1080"/>
+              </a:spcBef>
+              <a:spcAft>
+                <a:spcPts val="0"/>
+              </a:spcAft>
+              <a:buNone/>
+            </a:pPr>
+            <a:endParaRPr lang="es-CL" sz="1300" b="1" dirty="0">
+              <a:solidFill>
+                <a:schemeClr val="accent1"/>
+              </a:solidFill>
+              <a:latin typeface="Arial Black" panose="020B0A04020102020204" pitchFamily="34" charset="0"/>
+            </a:endParaRPr>
+          </a:p>
+          <a:p>
+            <a:pPr marL="0" lvl="0" indent="0" algn="l" rtl="0">
+              <a:spcBef>
+                <a:spcPts val="1080"/>
+              </a:spcBef>
+              <a:spcAft>
+                <a:spcPts val="0"/>
+              </a:spcAft>
+              <a:buNone/>
+            </a:pPr>
+            <a:endParaRPr sz="1200" dirty="0">
+              <a:latin typeface="Arial Black" panose="020B0A04020102020204" pitchFamily="34" charset="0"/>
+            </a:endParaRPr>
+          </a:p>
+          <a:p>
+            <a:pPr marL="899999" lvl="0" indent="0" algn="l" rtl="0">
+              <a:spcBef>
+                <a:spcPts val="880"/>
+              </a:spcBef>
+              <a:spcAft>
+                <a:spcPts val="0"/>
+              </a:spcAft>
+              <a:buNone/>
+            </a:pPr>
+            <a:endParaRPr sz="1200" b="1" dirty="0"/>
+          </a:p>
+        </p:txBody>
+      </p:sp>
+      <p:graphicFrame>
+        <p:nvGraphicFramePr>
+          <p:cNvPr id="3" name="Tabla 3">
+            <a:extLst>
+              <a:ext uri="{FF2B5EF4-FFF2-40B4-BE49-F238E27FC236}">
+                <a16:creationId xmlns:a16="http://schemas.microsoft.com/office/drawing/2014/main" id="{CFB8E46C-1F8B-4391-AB65-DE90ACEF1094}"/>
+              </a:ext>
+            </a:extLst>
+          </p:cNvPr>
+          <p:cNvGraphicFramePr>
+            <a:graphicFrameLocks noGrp="1"/>
+          </p:cNvGraphicFramePr>
+          <p:nvPr>
+            <p:extLst>
+              <p:ext uri="{D42A27DB-BD31-4B8C-83A1-F6EECF244321}">
+                <p14:modId xmlns:p14="http://schemas.microsoft.com/office/powerpoint/2010/main" val="113780973"/>
+              </p:ext>
+            </p:extLst>
+          </p:nvPr>
+        </p:nvGraphicFramePr>
+        <p:xfrm>
+          <a:off x="3524488" y="315289"/>
+          <a:ext cx="7885474" cy="6004434"/>
+        </p:xfrm>
+        <a:graphic>
+          <a:graphicData uri="http://schemas.openxmlformats.org/drawingml/2006/table">
+            <a:tbl>
+              <a:tblPr firstRow="1" bandRow="1">
+                <a:tableStyleId>{5C22544A-7EE6-4342-B048-85BDC9FD1C3A}</a:tableStyleId>
+              </a:tblPr>
+              <a:tblGrid>
+                <a:gridCol w="4340943">
+                  <a:extLst>
+                    <a:ext uri="{9D8B030D-6E8A-4147-A177-3AD203B41FA5}">
+                      <a16:colId xmlns:a16="http://schemas.microsoft.com/office/drawing/2014/main" val="1485649760"/>
+                    </a:ext>
+                  </a:extLst>
+                </a:gridCol>
+                <a:gridCol w="2093195">
+                  <a:extLst>
+                    <a:ext uri="{9D8B030D-6E8A-4147-A177-3AD203B41FA5}">
+                      <a16:colId xmlns:a16="http://schemas.microsoft.com/office/drawing/2014/main" val="2429145964"/>
+                    </a:ext>
+                  </a:extLst>
+                </a:gridCol>
+                <a:gridCol w="1451336">
+                  <a:extLst>
+                    <a:ext uri="{9D8B030D-6E8A-4147-A177-3AD203B41FA5}">
+                      <a16:colId xmlns:a16="http://schemas.microsoft.com/office/drawing/2014/main" val="3311942895"/>
+                    </a:ext>
+                  </a:extLst>
+                </a:gridCol>
+              </a:tblGrid>
+              <a:tr h="647403">
+                <a:tc>
+                  <a:txBody>
+                    <a:bodyPr/>
+                    <a:lstStyle/>
+                    <a:p>
+                      <a:r>
+                        <a:rPr lang="es-CL" dirty="0"/>
+                        <a:t>Tarea</a:t>
+                      </a:r>
+                    </a:p>
+                  </a:txBody>
+                  <a:tcPr/>
+                </a:tc>
+                <a:tc>
+                  <a:txBody>
+                    <a:bodyPr/>
+                    <a:lstStyle/>
+                    <a:p>
+                      <a:r>
+                        <a:rPr lang="es-CL" dirty="0"/>
+                        <a:t>Encargado</a:t>
+                      </a:r>
+                    </a:p>
+                  </a:txBody>
+                  <a:tcPr/>
+                </a:tc>
+                <a:tc>
+                  <a:txBody>
+                    <a:bodyPr/>
+                    <a:lstStyle/>
+                    <a:p>
+                      <a:r>
+                        <a:rPr lang="es-CL" dirty="0"/>
+                        <a:t>Tiempo (min)</a:t>
+                      </a:r>
+                    </a:p>
+                  </a:txBody>
+                  <a:tcPr/>
+                </a:tc>
+                <a:extLst>
+                  <a:ext uri="{0D108BD9-81ED-4DB2-BD59-A6C34878D82A}">
+                    <a16:rowId xmlns:a16="http://schemas.microsoft.com/office/drawing/2014/main" val="3478984432"/>
+                  </a:ext>
+                </a:extLst>
+              </a:tr>
+              <a:tr h="647403">
+                <a:tc>
+                  <a:txBody>
+                    <a:bodyPr/>
+                    <a:lstStyle/>
+                    <a:p>
+                      <a:r>
+                        <a:rPr lang="es-CL" dirty="0"/>
+                        <a:t>Iniciar proyecto</a:t>
+                      </a:r>
+                    </a:p>
+                  </a:txBody>
+                  <a:tcPr/>
+                </a:tc>
+                <a:tc>
+                  <a:txBody>
+                    <a:bodyPr/>
+                    <a:lstStyle/>
+                    <a:p>
+                      <a:r>
+                        <a:rPr lang="es-CL" dirty="0"/>
+                        <a:t>Daniel-Alex</a:t>
+                      </a:r>
+                    </a:p>
+                  </a:txBody>
+                  <a:tcPr/>
+                </a:tc>
+                <a:tc>
+                  <a:txBody>
+                    <a:bodyPr/>
+                    <a:lstStyle/>
+                    <a:p>
+                      <a:r>
+                        <a:rPr lang="es-CL" dirty="0"/>
+                        <a:t>10</a:t>
+                      </a:r>
+                    </a:p>
+                  </a:txBody>
+                  <a:tcPr/>
+                </a:tc>
+                <a:extLst>
+                  <a:ext uri="{0D108BD9-81ED-4DB2-BD59-A6C34878D82A}">
+                    <a16:rowId xmlns:a16="http://schemas.microsoft.com/office/drawing/2014/main" val="1866142140"/>
+                  </a:ext>
+                </a:extLst>
+              </a:tr>
+              <a:tr h="532112">
+                <a:tc>
+                  <a:txBody>
+                    <a:bodyPr/>
+                    <a:lstStyle/>
+                    <a:p>
+                      <a:r>
+                        <a:rPr lang="es-CL" dirty="0"/>
+                        <a:t>Configurar rutas e inicio</a:t>
+                      </a:r>
+                    </a:p>
+                  </a:txBody>
+                  <a:tcPr/>
+                </a:tc>
+                <a:tc rowSpan="3">
+                  <a:txBody>
+                    <a:bodyPr/>
+                    <a:lstStyle/>
+                    <a:p>
+                      <a:r>
+                        <a:rPr lang="es-CL" dirty="0"/>
+                        <a:t>Juan Agustín</a:t>
+                      </a:r>
+                    </a:p>
+                  </a:txBody>
+                  <a:tcPr/>
+                </a:tc>
+                <a:tc rowSpan="3">
+                  <a:txBody>
+                    <a:bodyPr/>
+                    <a:lstStyle/>
+                    <a:p>
+                      <a:r>
+                        <a:rPr lang="es-CL" dirty="0"/>
+                        <a:t>40</a:t>
+                      </a:r>
+                    </a:p>
+                  </a:txBody>
+                  <a:tcPr/>
+                </a:tc>
+                <a:extLst>
+                  <a:ext uri="{0D108BD9-81ED-4DB2-BD59-A6C34878D82A}">
+                    <a16:rowId xmlns:a16="http://schemas.microsoft.com/office/drawing/2014/main" val="3185574443"/>
+                  </a:ext>
+                </a:extLst>
+              </a:tr>
+              <a:tr h="532112">
+                <a:tc>
+                  <a:txBody>
+                    <a:bodyPr/>
+                    <a:lstStyle/>
+                    <a:p>
+                      <a:r>
+                        <a:rPr lang="es-CL" dirty="0"/>
+                        <a:t>Desarrollo de </a:t>
+                      </a:r>
+                      <a:r>
+                        <a:rPr lang="es-CL" dirty="0" err="1"/>
+                        <a:t>navbar</a:t>
+                      </a:r>
+                      <a:endParaRPr lang="es-CL" dirty="0"/>
+                    </a:p>
+                  </a:txBody>
+                  <a:tcPr/>
+                </a:tc>
+                <a:tc vMerge="1">
+                  <a:txBody>
+                    <a:bodyPr/>
+                    <a:lstStyle/>
+                    <a:p>
+                      <a:endParaRPr lang="es-CL"/>
+                    </a:p>
+                  </a:txBody>
+                  <a:tcPr/>
+                </a:tc>
+                <a:tc vMerge="1">
+                  <a:txBody>
+                    <a:bodyPr/>
+                    <a:lstStyle/>
+                    <a:p>
+                      <a:endParaRPr lang="es-CL"/>
+                    </a:p>
+                  </a:txBody>
+                  <a:tcPr/>
+                </a:tc>
+                <a:extLst>
+                  <a:ext uri="{0D108BD9-81ED-4DB2-BD59-A6C34878D82A}">
+                    <a16:rowId xmlns:a16="http://schemas.microsoft.com/office/drawing/2014/main" val="3180951985"/>
+                  </a:ext>
+                </a:extLst>
+              </a:tr>
+              <a:tr h="532112">
+                <a:tc>
+                  <a:txBody>
+                    <a:bodyPr/>
+                    <a:lstStyle/>
+                    <a:p>
+                      <a:r>
+                        <a:rPr lang="es-CL" dirty="0"/>
+                        <a:t>Estilos de navegación</a:t>
+                      </a:r>
+                    </a:p>
+                  </a:txBody>
+                  <a:tcPr/>
+                </a:tc>
+                <a:tc vMerge="1">
+                  <a:txBody>
+                    <a:bodyPr/>
+                    <a:lstStyle/>
+                    <a:p>
+                      <a:endParaRPr lang="es-CL"/>
+                    </a:p>
+                  </a:txBody>
+                  <a:tcPr/>
+                </a:tc>
+                <a:tc vMerge="1">
+                  <a:txBody>
+                    <a:bodyPr/>
+                    <a:lstStyle/>
+                    <a:p>
+                      <a:endParaRPr lang="es-CL"/>
+                    </a:p>
+                  </a:txBody>
+                  <a:tcPr/>
+                </a:tc>
+                <a:extLst>
+                  <a:ext uri="{0D108BD9-81ED-4DB2-BD59-A6C34878D82A}">
+                    <a16:rowId xmlns:a16="http://schemas.microsoft.com/office/drawing/2014/main" val="1576817414"/>
+                  </a:ext>
+                </a:extLst>
+              </a:tr>
+              <a:tr h="532112">
+                <a:tc>
+                  <a:txBody>
+                    <a:bodyPr/>
+                    <a:lstStyle/>
+                    <a:p>
+                      <a:r>
+                        <a:rPr lang="es-CL" dirty="0"/>
+                        <a:t>Listar, insertar y eliminar estudiantes en tabla</a:t>
+                      </a:r>
+                    </a:p>
+                  </a:txBody>
+                  <a:tcPr/>
+                </a:tc>
+                <a:tc rowSpan="3">
+                  <a:txBody>
+                    <a:bodyPr/>
+                    <a:lstStyle/>
+                    <a:p>
+                      <a:r>
+                        <a:rPr lang="es-CL" dirty="0"/>
+                        <a:t>Daniel</a:t>
+                      </a:r>
+                    </a:p>
+                  </a:txBody>
+                  <a:tcPr/>
+                </a:tc>
+                <a:tc rowSpan="3">
+                  <a:txBody>
+                    <a:bodyPr/>
+                    <a:lstStyle/>
+                    <a:p>
+                      <a:r>
+                        <a:rPr lang="es-CL" dirty="0"/>
+                        <a:t>60</a:t>
+                      </a:r>
+                    </a:p>
+                  </a:txBody>
+                  <a:tcPr/>
+                </a:tc>
+                <a:extLst>
+                  <a:ext uri="{0D108BD9-81ED-4DB2-BD59-A6C34878D82A}">
+                    <a16:rowId xmlns:a16="http://schemas.microsoft.com/office/drawing/2014/main" val="4112017343"/>
+                  </a:ext>
+                </a:extLst>
+              </a:tr>
+              <a:tr h="532112">
+                <a:tc>
+                  <a:txBody>
+                    <a:bodyPr/>
+                    <a:lstStyle/>
+                    <a:p>
+                      <a:r>
+                        <a:rPr lang="es-CL" dirty="0"/>
+                        <a:t>Filtrar por promedio</a:t>
+                      </a:r>
+                    </a:p>
+                  </a:txBody>
+                  <a:tcPr/>
+                </a:tc>
+                <a:tc vMerge="1">
+                  <a:txBody>
+                    <a:bodyPr/>
+                    <a:lstStyle/>
+                    <a:p>
+                      <a:endParaRPr lang="es-CL"/>
+                    </a:p>
+                  </a:txBody>
+                  <a:tcPr/>
+                </a:tc>
+                <a:tc vMerge="1">
+                  <a:txBody>
+                    <a:bodyPr/>
+                    <a:lstStyle/>
+                    <a:p>
+                      <a:endParaRPr lang="es-CL"/>
+                    </a:p>
+                  </a:txBody>
+                  <a:tcPr/>
+                </a:tc>
+                <a:extLst>
+                  <a:ext uri="{0D108BD9-81ED-4DB2-BD59-A6C34878D82A}">
+                    <a16:rowId xmlns:a16="http://schemas.microsoft.com/office/drawing/2014/main" val="425331894"/>
+                  </a:ext>
+                </a:extLst>
+              </a:tr>
+              <a:tr h="532112">
+                <a:tc>
+                  <a:txBody>
+                    <a:bodyPr/>
+                    <a:lstStyle/>
+                    <a:p>
+                      <a:r>
+                        <a:rPr lang="es-CL" dirty="0"/>
+                        <a:t>Validar formulario</a:t>
+                      </a:r>
+                    </a:p>
+                  </a:txBody>
+                  <a:tcPr/>
+                </a:tc>
+                <a:tc vMerge="1">
+                  <a:txBody>
+                    <a:bodyPr/>
+                    <a:lstStyle/>
+                    <a:p>
+                      <a:endParaRPr lang="es-CL"/>
+                    </a:p>
+                  </a:txBody>
+                  <a:tcPr/>
+                </a:tc>
+                <a:tc vMerge="1">
+                  <a:txBody>
+                    <a:bodyPr/>
+                    <a:lstStyle/>
+                    <a:p>
+                      <a:endParaRPr lang="es-CL"/>
+                    </a:p>
+                  </a:txBody>
+                  <a:tcPr/>
+                </a:tc>
+                <a:extLst>
+                  <a:ext uri="{0D108BD9-81ED-4DB2-BD59-A6C34878D82A}">
+                    <a16:rowId xmlns:a16="http://schemas.microsoft.com/office/drawing/2014/main" val="1442925339"/>
+                  </a:ext>
+                </a:extLst>
+              </a:tr>
+              <a:tr h="426174">
+                <a:tc>
+                  <a:txBody>
+                    <a:bodyPr/>
+                    <a:lstStyle/>
+                    <a:p>
+                      <a:r>
+                        <a:rPr lang="es-CL" dirty="0"/>
+                        <a:t>Listar, insertar y eliminar profesores en tabla</a:t>
+                      </a:r>
+                    </a:p>
+                  </a:txBody>
+                  <a:tcPr/>
+                </a:tc>
+                <a:tc rowSpan="2">
+                  <a:txBody>
+                    <a:bodyPr/>
+                    <a:lstStyle/>
+                    <a:p>
+                      <a:r>
+                        <a:rPr lang="es-CL" dirty="0"/>
+                        <a:t>Sebastián</a:t>
+                      </a:r>
+                    </a:p>
+                  </a:txBody>
+                  <a:tcPr/>
+                </a:tc>
+                <a:tc rowSpan="2">
+                  <a:txBody>
+                    <a:bodyPr/>
+                    <a:lstStyle/>
+                    <a:p>
+                      <a:r>
+                        <a:rPr lang="es-CL" dirty="0"/>
+                        <a:t>60</a:t>
+                      </a:r>
+                    </a:p>
+                  </a:txBody>
+                  <a:tcPr/>
+                </a:tc>
+                <a:extLst>
+                  <a:ext uri="{0D108BD9-81ED-4DB2-BD59-A6C34878D82A}">
+                    <a16:rowId xmlns:a16="http://schemas.microsoft.com/office/drawing/2014/main" val="1344932329"/>
+                  </a:ext>
+                </a:extLst>
+              </a:tr>
+              <a:tr h="426174">
+                <a:tc>
+                  <a:txBody>
+                    <a:bodyPr/>
+                    <a:lstStyle/>
+                    <a:p>
+                      <a:r>
+                        <a:rPr lang="es-CL" dirty="0"/>
+                        <a:t>Validar formulario</a:t>
+                      </a:r>
+                    </a:p>
+                  </a:txBody>
+                  <a:tcPr/>
+                </a:tc>
+                <a:tc vMerge="1">
+                  <a:txBody>
+                    <a:bodyPr/>
+                    <a:lstStyle/>
+                    <a:p>
+                      <a:endParaRPr lang="es-CL"/>
+                    </a:p>
+                  </a:txBody>
+                  <a:tcPr/>
+                </a:tc>
+                <a:tc vMerge="1">
+                  <a:txBody>
+                    <a:bodyPr/>
+                    <a:lstStyle/>
+                    <a:p>
+                      <a:endParaRPr lang="es-CL"/>
+                    </a:p>
+                  </a:txBody>
+                  <a:tcPr/>
+                </a:tc>
+                <a:extLst>
+                  <a:ext uri="{0D108BD9-81ED-4DB2-BD59-A6C34878D82A}">
+                    <a16:rowId xmlns:a16="http://schemas.microsoft.com/office/drawing/2014/main" val="158815338"/>
+                  </a:ext>
+                </a:extLst>
+              </a:tr>
+              <a:tr h="332304">
+                <a:tc>
+                  <a:txBody>
+                    <a:bodyPr/>
+                    <a:lstStyle/>
+                    <a:p>
+                      <a:r>
+                        <a:rPr lang="es-CL" dirty="0"/>
+                        <a:t>Listar, insertar y eliminar administrativos en tabla</a:t>
+                      </a:r>
+                    </a:p>
+                  </a:txBody>
+                  <a:tcPr/>
+                </a:tc>
+                <a:tc rowSpan="2">
+                  <a:txBody>
+                    <a:bodyPr/>
+                    <a:lstStyle/>
+                    <a:p>
+                      <a:r>
+                        <a:rPr lang="es-CL" dirty="0"/>
+                        <a:t>Alex</a:t>
+                      </a:r>
+                    </a:p>
+                  </a:txBody>
+                  <a:tcPr/>
+                </a:tc>
+                <a:tc rowSpan="2">
+                  <a:txBody>
+                    <a:bodyPr/>
+                    <a:lstStyle/>
+                    <a:p>
+                      <a:r>
+                        <a:rPr lang="es-CL" dirty="0"/>
+                        <a:t>60</a:t>
+                      </a:r>
+                    </a:p>
+                  </a:txBody>
+                  <a:tcPr/>
+                </a:tc>
+                <a:extLst>
+                  <a:ext uri="{0D108BD9-81ED-4DB2-BD59-A6C34878D82A}">
+                    <a16:rowId xmlns:a16="http://schemas.microsoft.com/office/drawing/2014/main" val="869510216"/>
+                  </a:ext>
+                </a:extLst>
+              </a:tr>
+              <a:tr h="332304">
+                <a:tc>
+                  <a:txBody>
+                    <a:bodyPr/>
+                    <a:lstStyle/>
+                    <a:p>
+                      <a:r>
+                        <a:rPr lang="es-CL" dirty="0"/>
+                        <a:t>Validar formulario</a:t>
+                      </a:r>
+                    </a:p>
+                  </a:txBody>
+                  <a:tcPr/>
+                </a:tc>
+                <a:tc vMerge="1">
+                  <a:txBody>
+                    <a:bodyPr/>
+                    <a:lstStyle/>
+                    <a:p>
+                      <a:endParaRPr lang="es-CL"/>
+                    </a:p>
+                  </a:txBody>
+                  <a:tcPr/>
+                </a:tc>
+                <a:tc vMerge="1">
+                  <a:txBody>
+                    <a:bodyPr/>
+                    <a:lstStyle/>
+                    <a:p>
+                      <a:endParaRPr lang="es-CL"/>
+                    </a:p>
+                  </a:txBody>
+                  <a:tcPr/>
+                </a:tc>
+                <a:extLst>
+                  <a:ext uri="{0D108BD9-81ED-4DB2-BD59-A6C34878D82A}">
+                    <a16:rowId xmlns:a16="http://schemas.microsoft.com/office/drawing/2014/main" val="1350377243"/>
+                  </a:ext>
+                </a:extLst>
+              </a:tr>
+            </a:tbl>
+          </a:graphicData>
+        </a:graphic>
+      </p:graphicFrame>
+    </p:spTree>
+    <p:extLst>
+      <p:ext uri="{BB962C8B-B14F-4D97-AF65-F5344CB8AC3E}">
+        <p14:creationId xmlns:p14="http://schemas.microsoft.com/office/powerpoint/2010/main" val="1416208282"/>
+      </p:ext>
+    </p:extLst>
+  </p:cSld>
+  <p:clrMapOvr>
+    <a:masterClrMapping/>
+  </p:clrMapOvr>
+</p:sld>
+</file>
+
+<file path=ppt/slides/slide5.xml><?xml version="1.0" encoding="utf-8"?>
 <p:sld xmlns:a="http://schemas.openxmlformats.org/drawingml/2006/main" xmlns:r="http://schemas.openxmlformats.org/officeDocument/2006/relationships" xmlns:p="http://schemas.openxmlformats.org/presentationml/2006/main">
   <p:cSld>
     <p:spTree>
@@ -27667,7 +32068,7 @@
         <p:spPr>
           <a:xfrm>
             <a:off x="327175" y="1506527"/>
-            <a:ext cx="10909200" cy="4247276"/>
+            <a:ext cx="10909200" cy="3970277"/>
           </a:xfrm>
           <a:prstGeom prst="rect">
             <a:avLst/>
@@ -27710,7 +32111,7 @@
                   <a:schemeClr val="dk1"/>
                 </a:solidFill>
               </a:rPr>
-              <a:t>Desarrollar modulo de Reservas” → Creación de Formularios (Listo)</a:t>
+              <a:t>Desarrollar sitio de Colegio” → Creación de Formularios (Listo)</a:t>
             </a:r>
             <a:endParaRPr sz="1800" dirty="0">
               <a:solidFill>
@@ -27746,7 +32147,7 @@
                   <a:schemeClr val="tx1"/>
                 </a:solidFill>
               </a:rPr>
-              <a:t>Revisión de avances de las tareas asignadas con el objetivo de asignar recursos y personal a una tarea que presente atraso</a:t>
+              <a:t>Revisión de avances de las tareas asignadas con el objetivo de asignar recursos y personal a una tarea que presente atraso.</a:t>
             </a:r>
             <a:endParaRPr sz="1800" dirty="0">
               <a:solidFill>
@@ -27774,7 +32175,7 @@
                   <a:schemeClr val="tx1"/>
                 </a:solidFill>
               </a:rPr>
-              <a:t>Se desarrollan los paquetes de trabajo previamente determinados y asignados, posteriormente se realizan las pruebas de testeo necesarias para generar un entregable.</a:t>
+              <a:t>Se desarrollan los tareas previamente determinadas y asignadas, posteriormente se realizan las pruebas de testeo necesarias para generar un entregable.</a:t>
             </a:r>
             <a:endParaRPr sz="1800" dirty="0">
               <a:solidFill>
@@ -27810,7 +32211,7 @@
                   <a:schemeClr val="tx1"/>
                 </a:solidFill>
               </a:rPr>
-              <a:t>Se presenta demo funcional del login al cliente, junto con los módulos de reserva y obtención de datos del usuario con el objetivo de obtener una retroalimentación y revisar los requerimientos.</a:t>
+              <a:t>Se presenta demo funcional al cliente, junto con los módulos de estudiantes, profesores, administrativos con el objetivo de obtener una retroalimentación y revisar los requerimientos.</a:t>
             </a:r>
             <a:endParaRPr sz="1800" dirty="0"/>
           </a:p>
@@ -27855,7 +32256,7 @@
 </p:sld>
 </file>
 
-<file path=ppt/slides/slide5.xml><?xml version="1.0" encoding="utf-8"?>
+<file path=ppt/slides/slide6.xml><?xml version="1.0" encoding="utf-8"?>
 <p:sld xmlns:a="http://schemas.openxmlformats.org/drawingml/2006/main" xmlns:r="http://schemas.openxmlformats.org/officeDocument/2006/relationships" xmlns:p="http://schemas.openxmlformats.org/presentationml/2006/main">
   <p:cSld>
     <p:spTree>
@@ -27925,7 +32326,7 @@
         <p:spPr>
           <a:xfrm>
             <a:off x="344931" y="1229718"/>
-            <a:ext cx="10909200" cy="5386049"/>
+            <a:ext cx="10909200" cy="3262391"/>
           </a:xfrm>
           <a:prstGeom prst="rect">
             <a:avLst/>
@@ -27952,7 +32353,7 @@
             </a:pPr>
             <a:r>
               <a:rPr lang="es-CL" sz="1800" dirty="0"/>
-              <a:t>Se completaron las tareas asociadas a las épicas 2 y 3 como fue planificado. (Diapositiva 3). Además se cumplieron la totalidad de requerimientos que fue recibida, la cual contiene aspectos visuales como funcionales.</a:t>
+              <a:t>Se completaron las tareas asociadas a las épicas como fue planificado. Además se cumplieron la totalidad de requerimientos que fue recibida, la cual contiene aspectos visuales como funcionales.</a:t>
             </a:r>
             <a:endParaRPr sz="1800" dirty="0">
               <a:solidFill>
@@ -27972,7 +32373,7 @@
             </a:pPr>
             <a:r>
               <a:rPr lang="es-ES" sz="1800" dirty="0"/>
-              <a:t>Con respecto a la épica 1, se avanzo en la tarea b, debido a falta de requerimientos e información de nuestra contraparte se decidió dejar en proceso de espera hasta obtener una retroalimentación con el cliente.</a:t>
+              <a:t>Con respecto a la épica 1, se avanzó en las tareas en cuanto a las tablas y validaciones. </a:t>
             </a:r>
           </a:p>
           <a:p>
@@ -28000,159 +32401,6 @@
               </a:spcAft>
               <a:buNone/>
             </a:pPr>
-            <a:r>
-              <a:rPr lang="es-ES" sz="1800" dirty="0"/>
-              <a:t> </a:t>
-            </a:r>
-            <a:endParaRPr sz="1800" dirty="0"/>
-          </a:p>
-          <a:p>
-            <a:pPr marL="0" marR="0" lvl="0" indent="0" algn="l" rtl="0">
-              <a:spcBef>
-                <a:spcPts val="1200"/>
-              </a:spcBef>
-              <a:spcAft>
-                <a:spcPts val="0"/>
-              </a:spcAft>
-              <a:buNone/>
-            </a:pPr>
-            <a:r>
-              <a:rPr lang="es-ES" sz="1800" b="0" i="0" u="none" strike="noStrike" cap="none" dirty="0">
-                <a:solidFill>
-                  <a:schemeClr val="dk1"/>
-                </a:solidFill>
-                <a:latin typeface="Gill Sans"/>
-                <a:ea typeface="Gill Sans"/>
-                <a:cs typeface="Gill Sans"/>
-                <a:sym typeface="Gill Sans"/>
-              </a:rPr>
-              <a:t>Para acceder al portal desde el </a:t>
-            </a:r>
-            <a:r>
-              <a:rPr lang="es-ES" sz="1800" b="0" i="0" u="none" strike="noStrike" cap="none" dirty="0" err="1">
-                <a:solidFill>
-                  <a:schemeClr val="dk1"/>
-                </a:solidFill>
-                <a:latin typeface="Gill Sans"/>
-                <a:ea typeface="Gill Sans"/>
-                <a:cs typeface="Gill Sans"/>
-                <a:sym typeface="Gill Sans"/>
-              </a:rPr>
-              <a:t>login</a:t>
-            </a:r>
-            <a:r>
-              <a:rPr lang="es-ES" sz="1800" b="0" i="0" u="none" strike="noStrike" cap="none">
-                <a:solidFill>
-                  <a:schemeClr val="dk1"/>
-                </a:solidFill>
-                <a:latin typeface="Gill Sans"/>
-                <a:ea typeface="Gill Sans"/>
-                <a:cs typeface="Gill Sans"/>
-                <a:sym typeface="Gill Sans"/>
-              </a:rPr>
-              <a:t> generado se </a:t>
-            </a:r>
-            <a:r>
-              <a:rPr lang="es-ES" sz="1800" b="0" i="0" u="none" strike="noStrike" cap="none" dirty="0">
-                <a:solidFill>
-                  <a:schemeClr val="dk1"/>
-                </a:solidFill>
-                <a:latin typeface="Gill Sans"/>
-                <a:ea typeface="Gill Sans"/>
-                <a:cs typeface="Gill Sans"/>
-                <a:sym typeface="Gill Sans"/>
-              </a:rPr>
-              <a:t>creo un perfil de prueba con las </a:t>
-            </a:r>
-            <a:r>
-              <a:rPr lang="es-ES" sz="1800" b="0" i="0" u="none" strike="noStrike" cap="none">
-                <a:solidFill>
-                  <a:schemeClr val="dk1"/>
-                </a:solidFill>
-                <a:latin typeface="Gill Sans"/>
-                <a:ea typeface="Gill Sans"/>
-                <a:cs typeface="Gill Sans"/>
-                <a:sym typeface="Gill Sans"/>
-              </a:rPr>
-              <a:t>siguientes credenciales:</a:t>
-            </a:r>
-            <a:endParaRPr lang="es-ES" sz="1800" b="0" i="0" u="none" strike="noStrike" cap="none" dirty="0">
-              <a:solidFill>
-                <a:schemeClr val="dk1"/>
-              </a:solidFill>
-              <a:latin typeface="Gill Sans"/>
-              <a:ea typeface="Gill Sans"/>
-              <a:cs typeface="Gill Sans"/>
-              <a:sym typeface="Gill Sans"/>
-            </a:endParaRPr>
-          </a:p>
-          <a:p>
-            <a:pPr marL="0" marR="0" lvl="0" indent="0" algn="l" rtl="0">
-              <a:spcBef>
-                <a:spcPts val="1200"/>
-              </a:spcBef>
-              <a:spcAft>
-                <a:spcPts val="0"/>
-              </a:spcAft>
-              <a:buNone/>
-            </a:pPr>
-            <a:r>
-              <a:rPr lang="es-ES" sz="1800" b="0" i="0" u="none" strike="noStrike" cap="none" dirty="0">
-                <a:solidFill>
-                  <a:schemeClr val="dk1"/>
-                </a:solidFill>
-                <a:latin typeface="Gill Sans"/>
-                <a:ea typeface="Gill Sans"/>
-                <a:cs typeface="Gill Sans"/>
-                <a:sym typeface="Gill Sans"/>
-                <a:hlinkClick r:id="rId2"/>
-              </a:rPr>
-              <a:t>Email: mail@mail.com</a:t>
-            </a:r>
-            <a:endParaRPr lang="es-ES" sz="1800" b="0" i="0" u="none" strike="noStrike" cap="none" dirty="0">
-              <a:solidFill>
-                <a:schemeClr val="dk1"/>
-              </a:solidFill>
-              <a:latin typeface="Gill Sans"/>
-              <a:ea typeface="Gill Sans"/>
-              <a:cs typeface="Gill Sans"/>
-              <a:sym typeface="Gill Sans"/>
-            </a:endParaRPr>
-          </a:p>
-          <a:p>
-            <a:pPr marL="0" marR="0" lvl="0" indent="0" algn="l" rtl="0">
-              <a:spcBef>
-                <a:spcPts val="1200"/>
-              </a:spcBef>
-              <a:spcAft>
-                <a:spcPts val="0"/>
-              </a:spcAft>
-              <a:buNone/>
-            </a:pPr>
-            <a:r>
-              <a:rPr lang="es-ES" sz="1800" dirty="0" err="1">
-                <a:solidFill>
-                  <a:schemeClr val="dk1"/>
-                </a:solidFill>
-                <a:latin typeface="Gill Sans"/>
-                <a:ea typeface="Gill Sans"/>
-                <a:cs typeface="Gill Sans"/>
-                <a:sym typeface="Gill Sans"/>
-              </a:rPr>
-              <a:t>Password</a:t>
-            </a:r>
-            <a:r>
-              <a:rPr lang="es-ES" sz="1800" dirty="0">
-                <a:solidFill>
-                  <a:schemeClr val="dk1"/>
-                </a:solidFill>
-                <a:latin typeface="Gill Sans"/>
-                <a:ea typeface="Gill Sans"/>
-                <a:cs typeface="Gill Sans"/>
-                <a:sym typeface="Gill Sans"/>
-              </a:rPr>
-              <a:t>: prueba123</a:t>
-            </a:r>
             <a:br>
               <a:rPr lang="es-ES" sz="1800" b="0" i="0" u="none" strike="noStrike" cap="none" dirty="0">
                 <a:solidFill>
